--- a/Documentation/Интерфейс смартфона.pptx
+++ b/Documentation/Интерфейс смартфона.pptx
@@ -110,6 +110,11 @@
       </a:defRPr>
     </a:lvl9pPr>
   </p:defaultTextStyle>
+  <p:extLst>
+    <p:ext uri="{EFAFB233-063F-42B5-8137-9DF3F51BA10A}">
+      <p15:sldGuideLst xmlns:p15="http://schemas.microsoft.com/office/powerpoint/2012/main"/>
+    </p:ext>
+  </p:extLst>
 </p:presentation>
 </file>
 
@@ -356,7 +361,7 @@
           <a:p>
             <a:fld id="{9B40D55A-41C6-46CA-AC3B-308FF6D5F691}" type="datetimeFigureOut">
               <a:rPr lang="ru-RU" smtClean="0"/>
-              <a:t>04.04.2021</a:t>
+              <a:t>06.04.2021</a:t>
             </a:fld>
             <a:endParaRPr lang="ru-RU"/>
           </a:p>
@@ -554,7 +559,7 @@
           <a:p>
             <a:fld id="{9B40D55A-41C6-46CA-AC3B-308FF6D5F691}" type="datetimeFigureOut">
               <a:rPr lang="ru-RU" smtClean="0"/>
-              <a:t>04.04.2021</a:t>
+              <a:t>06.04.2021</a:t>
             </a:fld>
             <a:endParaRPr lang="ru-RU"/>
           </a:p>
@@ -762,7 +767,7 @@
           <a:p>
             <a:fld id="{9B40D55A-41C6-46CA-AC3B-308FF6D5F691}" type="datetimeFigureOut">
               <a:rPr lang="ru-RU" smtClean="0"/>
-              <a:t>04.04.2021</a:t>
+              <a:t>06.04.2021</a:t>
             </a:fld>
             <a:endParaRPr lang="ru-RU"/>
           </a:p>
@@ -960,7 +965,7 @@
           <a:p>
             <a:fld id="{9B40D55A-41C6-46CA-AC3B-308FF6D5F691}" type="datetimeFigureOut">
               <a:rPr lang="ru-RU" smtClean="0"/>
-              <a:t>04.04.2021</a:t>
+              <a:t>06.04.2021</a:t>
             </a:fld>
             <a:endParaRPr lang="ru-RU"/>
           </a:p>
@@ -1235,7 +1240,7 @@
           <a:p>
             <a:fld id="{9B40D55A-41C6-46CA-AC3B-308FF6D5F691}" type="datetimeFigureOut">
               <a:rPr lang="ru-RU" smtClean="0"/>
-              <a:t>04.04.2021</a:t>
+              <a:t>06.04.2021</a:t>
             </a:fld>
             <a:endParaRPr lang="ru-RU"/>
           </a:p>
@@ -1500,7 +1505,7 @@
           <a:p>
             <a:fld id="{9B40D55A-41C6-46CA-AC3B-308FF6D5F691}" type="datetimeFigureOut">
               <a:rPr lang="ru-RU" smtClean="0"/>
-              <a:t>04.04.2021</a:t>
+              <a:t>06.04.2021</a:t>
             </a:fld>
             <a:endParaRPr lang="ru-RU"/>
           </a:p>
@@ -1912,7 +1917,7 @@
           <a:p>
             <a:fld id="{9B40D55A-41C6-46CA-AC3B-308FF6D5F691}" type="datetimeFigureOut">
               <a:rPr lang="ru-RU" smtClean="0"/>
-              <a:t>04.04.2021</a:t>
+              <a:t>06.04.2021</a:t>
             </a:fld>
             <a:endParaRPr lang="ru-RU"/>
           </a:p>
@@ -2053,7 +2058,7 @@
           <a:p>
             <a:fld id="{9B40D55A-41C6-46CA-AC3B-308FF6D5F691}" type="datetimeFigureOut">
               <a:rPr lang="ru-RU" smtClean="0"/>
-              <a:t>04.04.2021</a:t>
+              <a:t>06.04.2021</a:t>
             </a:fld>
             <a:endParaRPr lang="ru-RU"/>
           </a:p>
@@ -2166,7 +2171,7 @@
           <a:p>
             <a:fld id="{9B40D55A-41C6-46CA-AC3B-308FF6D5F691}" type="datetimeFigureOut">
               <a:rPr lang="ru-RU" smtClean="0"/>
-              <a:t>04.04.2021</a:t>
+              <a:t>06.04.2021</a:t>
             </a:fld>
             <a:endParaRPr lang="ru-RU"/>
           </a:p>
@@ -2477,7 +2482,7 @@
           <a:p>
             <a:fld id="{9B40D55A-41C6-46CA-AC3B-308FF6D5F691}" type="datetimeFigureOut">
               <a:rPr lang="ru-RU" smtClean="0"/>
-              <a:t>04.04.2021</a:t>
+              <a:t>06.04.2021</a:t>
             </a:fld>
             <a:endParaRPr lang="ru-RU"/>
           </a:p>
@@ -2765,7 +2770,7 @@
           <a:p>
             <a:fld id="{9B40D55A-41C6-46CA-AC3B-308FF6D5F691}" type="datetimeFigureOut">
               <a:rPr lang="ru-RU" smtClean="0"/>
-              <a:t>04.04.2021</a:t>
+              <a:t>06.04.2021</a:t>
             </a:fld>
             <a:endParaRPr lang="ru-RU"/>
           </a:p>
@@ -3006,7 +3011,7 @@
           <a:p>
             <a:fld id="{9B40D55A-41C6-46CA-AC3B-308FF6D5F691}" type="datetimeFigureOut">
               <a:rPr lang="ru-RU" smtClean="0"/>
-              <a:t>04.04.2021</a:t>
+              <a:t>06.04.2021</a:t>
             </a:fld>
             <a:endParaRPr lang="ru-RU"/>
           </a:p>
@@ -7899,6 +7904,1508 @@
           <a:chExt cx="0" cy="0"/>
         </a:xfrm>
       </p:grpSpPr>
+      <p:pic>
+        <p:nvPicPr>
+          <p:cNvPr id="2" name="Рисунок 1">
+            <a:extLst>
+              <a:ext uri="{FF2B5EF4-FFF2-40B4-BE49-F238E27FC236}">
+                <a16:creationId xmlns:a16="http://schemas.microsoft.com/office/drawing/2014/main" id="{EDCE43DF-5C1F-464F-8546-0077180A3344}"/>
+              </a:ext>
+            </a:extLst>
+          </p:cNvPr>
+          <p:cNvPicPr>
+            <a:picLocks noChangeAspect="1"/>
+          </p:cNvPicPr>
+          <p:nvPr/>
+        </p:nvPicPr>
+        <p:blipFill>
+          <a:blip r:embed="rId2"/>
+          <a:stretch>
+            <a:fillRect/>
+          </a:stretch>
+        </p:blipFill>
+        <p:spPr>
+          <a:xfrm>
+            <a:off x="457155" y="100012"/>
+            <a:ext cx="3381375" cy="6657975"/>
+          </a:xfrm>
+          <a:prstGeom prst="rect">
+            <a:avLst/>
+          </a:prstGeom>
+        </p:spPr>
+      </p:pic>
+      <p:sp>
+        <p:nvSpPr>
+          <p:cNvPr id="3" name="Прямоугольник: скругленные углы 2">
+            <a:extLst>
+              <a:ext uri="{FF2B5EF4-FFF2-40B4-BE49-F238E27FC236}">
+                <a16:creationId xmlns:a16="http://schemas.microsoft.com/office/drawing/2014/main" id="{0872B181-4BD5-4D9C-B848-E73AC33E9DA8}"/>
+              </a:ext>
+            </a:extLst>
+          </p:cNvPr>
+          <p:cNvSpPr/>
+          <p:nvPr/>
+        </p:nvSpPr>
+        <p:spPr>
+          <a:xfrm>
+            <a:off x="794759" y="846034"/>
+            <a:ext cx="1264778" cy="1187865"/>
+          </a:xfrm>
+          <a:prstGeom prst="roundRect">
+            <a:avLst/>
+          </a:prstGeom>
+        </p:spPr>
+        <p:style>
+          <a:lnRef idx="2">
+            <a:schemeClr val="accent1">
+              <a:shade val="50000"/>
+            </a:schemeClr>
+          </a:lnRef>
+          <a:fillRef idx="1">
+            <a:schemeClr val="accent1"/>
+          </a:fillRef>
+          <a:effectRef idx="0">
+            <a:schemeClr val="accent1"/>
+          </a:effectRef>
+          <a:fontRef idx="minor">
+            <a:schemeClr val="lt1"/>
+          </a:fontRef>
+        </p:style>
+        <p:txBody>
+          <a:bodyPr rtlCol="0" anchor="ctr"/>
+          <a:lstStyle/>
+          <a:p>
+            <a:pPr algn="ctr"/>
+            <a:r>
+              <a:rPr lang="ru-RU" sz="1600" dirty="0"/>
+              <a:t>Регион: Челябинск</a:t>
+            </a:r>
+          </a:p>
+        </p:txBody>
+      </p:sp>
+      <p:sp>
+        <p:nvSpPr>
+          <p:cNvPr id="4" name="Прямоугольник: скругленные углы 3">
+            <a:extLst>
+              <a:ext uri="{FF2B5EF4-FFF2-40B4-BE49-F238E27FC236}">
+                <a16:creationId xmlns:a16="http://schemas.microsoft.com/office/drawing/2014/main" id="{0DEC574B-8CF5-4A56-AB28-F39C5E6E52EC}"/>
+              </a:ext>
+            </a:extLst>
+          </p:cNvPr>
+          <p:cNvSpPr/>
+          <p:nvPr/>
+        </p:nvSpPr>
+        <p:spPr>
+          <a:xfrm>
+            <a:off x="2256090" y="846033"/>
+            <a:ext cx="1264778" cy="1187865"/>
+          </a:xfrm>
+          <a:prstGeom prst="roundRect">
+            <a:avLst/>
+          </a:prstGeom>
+        </p:spPr>
+        <p:style>
+          <a:lnRef idx="2">
+            <a:schemeClr val="accent1">
+              <a:shade val="50000"/>
+            </a:schemeClr>
+          </a:lnRef>
+          <a:fillRef idx="1">
+            <a:schemeClr val="accent1"/>
+          </a:fillRef>
+          <a:effectRef idx="0">
+            <a:schemeClr val="accent1"/>
+          </a:effectRef>
+          <a:fontRef idx="minor">
+            <a:schemeClr val="lt1"/>
+          </a:fontRef>
+        </p:style>
+        <p:txBody>
+          <a:bodyPr rtlCol="0" anchor="ctr"/>
+          <a:lstStyle/>
+          <a:p>
+            <a:pPr algn="ctr"/>
+            <a:r>
+              <a:rPr lang="ru-RU" sz="1500" dirty="0"/>
+              <a:t>Произвольный запрос</a:t>
+            </a:r>
+          </a:p>
+        </p:txBody>
+      </p:sp>
+      <p:sp>
+        <p:nvSpPr>
+          <p:cNvPr id="6" name="Прямоугольник: скругленные углы 5">
+            <a:extLst>
+              <a:ext uri="{FF2B5EF4-FFF2-40B4-BE49-F238E27FC236}">
+                <a16:creationId xmlns:a16="http://schemas.microsoft.com/office/drawing/2014/main" id="{E0248BB4-807C-403C-AEB4-2F3FE56D0EA0}"/>
+              </a:ext>
+            </a:extLst>
+          </p:cNvPr>
+          <p:cNvSpPr/>
+          <p:nvPr/>
+        </p:nvSpPr>
+        <p:spPr>
+          <a:xfrm>
+            <a:off x="794759" y="3636237"/>
+            <a:ext cx="1264778" cy="1187865"/>
+          </a:xfrm>
+          <a:prstGeom prst="roundRect">
+            <a:avLst/>
+          </a:prstGeom>
+        </p:spPr>
+        <p:style>
+          <a:lnRef idx="2">
+            <a:schemeClr val="accent1">
+              <a:shade val="50000"/>
+            </a:schemeClr>
+          </a:lnRef>
+          <a:fillRef idx="1">
+            <a:schemeClr val="accent1"/>
+          </a:fillRef>
+          <a:effectRef idx="0">
+            <a:schemeClr val="accent1"/>
+          </a:effectRef>
+          <a:fontRef idx="minor">
+            <a:schemeClr val="lt1"/>
+          </a:fontRef>
+        </p:style>
+        <p:txBody>
+          <a:bodyPr rtlCol="0" anchor="ctr"/>
+          <a:lstStyle/>
+          <a:p>
+            <a:pPr algn="ctr"/>
+            <a:r>
+              <a:rPr lang="ru-RU" sz="1600" dirty="0"/>
+              <a:t>Статистика</a:t>
+            </a:r>
+          </a:p>
+        </p:txBody>
+      </p:sp>
+      <p:sp>
+        <p:nvSpPr>
+          <p:cNvPr id="7" name="Прямоугольник: скругленные углы 6">
+            <a:extLst>
+              <a:ext uri="{FF2B5EF4-FFF2-40B4-BE49-F238E27FC236}">
+                <a16:creationId xmlns:a16="http://schemas.microsoft.com/office/drawing/2014/main" id="{F646AA9C-883B-42E8-AB60-8E438FF5E702}"/>
+              </a:ext>
+            </a:extLst>
+          </p:cNvPr>
+          <p:cNvSpPr/>
+          <p:nvPr/>
+        </p:nvSpPr>
+        <p:spPr>
+          <a:xfrm>
+            <a:off x="2256090" y="5031339"/>
+            <a:ext cx="1264778" cy="1187865"/>
+          </a:xfrm>
+          <a:prstGeom prst="roundRect">
+            <a:avLst/>
+          </a:prstGeom>
+        </p:spPr>
+        <p:style>
+          <a:lnRef idx="2">
+            <a:schemeClr val="accent1">
+              <a:shade val="50000"/>
+            </a:schemeClr>
+          </a:lnRef>
+          <a:fillRef idx="1">
+            <a:schemeClr val="accent1"/>
+          </a:fillRef>
+          <a:effectRef idx="0">
+            <a:schemeClr val="accent1"/>
+          </a:effectRef>
+          <a:fontRef idx="minor">
+            <a:schemeClr val="lt1"/>
+          </a:fontRef>
+        </p:style>
+        <p:txBody>
+          <a:bodyPr rtlCol="0" anchor="ctr"/>
+          <a:lstStyle/>
+          <a:p>
+            <a:pPr algn="ctr"/>
+            <a:r>
+              <a:rPr lang="ru-RU" sz="1600" dirty="0"/>
+              <a:t>Недавние запросы</a:t>
+            </a:r>
+          </a:p>
+        </p:txBody>
+      </p:sp>
+      <p:sp>
+        <p:nvSpPr>
+          <p:cNvPr id="8" name="Прямоугольник: скругленные углы 7">
+            <a:extLst>
+              <a:ext uri="{FF2B5EF4-FFF2-40B4-BE49-F238E27FC236}">
+                <a16:creationId xmlns:a16="http://schemas.microsoft.com/office/drawing/2014/main" id="{A2B87509-027C-4652-AD89-F5E3AD19B2D0}"/>
+              </a:ext>
+            </a:extLst>
+          </p:cNvPr>
+          <p:cNvSpPr/>
+          <p:nvPr/>
+        </p:nvSpPr>
+        <p:spPr>
+          <a:xfrm>
+            <a:off x="794759" y="2241134"/>
+            <a:ext cx="1264778" cy="1187865"/>
+          </a:xfrm>
+          <a:prstGeom prst="roundRect">
+            <a:avLst/>
+          </a:prstGeom>
+        </p:spPr>
+        <p:style>
+          <a:lnRef idx="2">
+            <a:schemeClr val="accent1">
+              <a:shade val="50000"/>
+            </a:schemeClr>
+          </a:lnRef>
+          <a:fillRef idx="1">
+            <a:schemeClr val="accent1"/>
+          </a:fillRef>
+          <a:effectRef idx="0">
+            <a:schemeClr val="accent1"/>
+          </a:effectRef>
+          <a:fontRef idx="minor">
+            <a:schemeClr val="lt1"/>
+          </a:fontRef>
+        </p:style>
+        <p:txBody>
+          <a:bodyPr rtlCol="0" anchor="ctr"/>
+          <a:lstStyle/>
+          <a:p>
+            <a:pPr algn="ctr"/>
+            <a:r>
+              <a:rPr lang="ru-RU" sz="1600" dirty="0"/>
+              <a:t>События рядом</a:t>
+            </a:r>
+          </a:p>
+        </p:txBody>
+      </p:sp>
+      <p:sp>
+        <p:nvSpPr>
+          <p:cNvPr id="9" name="Прямоугольник: скругленные углы 8">
+            <a:extLst>
+              <a:ext uri="{FF2B5EF4-FFF2-40B4-BE49-F238E27FC236}">
+                <a16:creationId xmlns:a16="http://schemas.microsoft.com/office/drawing/2014/main" id="{DA04EAC5-0C49-412C-BCD3-31C3A57252E6}"/>
+              </a:ext>
+            </a:extLst>
+          </p:cNvPr>
+          <p:cNvSpPr/>
+          <p:nvPr/>
+        </p:nvSpPr>
+        <p:spPr>
+          <a:xfrm>
+            <a:off x="794759" y="5031338"/>
+            <a:ext cx="1264778" cy="1187865"/>
+          </a:xfrm>
+          <a:prstGeom prst="roundRect">
+            <a:avLst/>
+          </a:prstGeom>
+        </p:spPr>
+        <p:style>
+          <a:lnRef idx="2">
+            <a:schemeClr val="accent1">
+              <a:shade val="50000"/>
+            </a:schemeClr>
+          </a:lnRef>
+          <a:fillRef idx="1">
+            <a:schemeClr val="accent1"/>
+          </a:fillRef>
+          <a:effectRef idx="0">
+            <a:schemeClr val="accent1"/>
+          </a:effectRef>
+          <a:fontRef idx="minor">
+            <a:schemeClr val="lt1"/>
+          </a:fontRef>
+        </p:style>
+        <p:txBody>
+          <a:bodyPr rtlCol="0" anchor="ctr"/>
+          <a:lstStyle/>
+          <a:p>
+            <a:pPr algn="ctr"/>
+            <a:r>
+              <a:rPr lang="ru-RU" sz="1600" dirty="0"/>
+              <a:t>Анализ</a:t>
+            </a:r>
+          </a:p>
+        </p:txBody>
+      </p:sp>
+      <p:sp>
+        <p:nvSpPr>
+          <p:cNvPr id="10" name="Прямоугольник: скругленные углы 9">
+            <a:extLst>
+              <a:ext uri="{FF2B5EF4-FFF2-40B4-BE49-F238E27FC236}">
+                <a16:creationId xmlns:a16="http://schemas.microsoft.com/office/drawing/2014/main" id="{4501AAC5-6679-4649-A10B-F86AA8B36343}"/>
+              </a:ext>
+            </a:extLst>
+          </p:cNvPr>
+          <p:cNvSpPr/>
+          <p:nvPr/>
+        </p:nvSpPr>
+        <p:spPr>
+          <a:xfrm>
+            <a:off x="2256090" y="2241134"/>
+            <a:ext cx="1264778" cy="1187865"/>
+          </a:xfrm>
+          <a:prstGeom prst="roundRect">
+            <a:avLst/>
+          </a:prstGeom>
+        </p:spPr>
+        <p:style>
+          <a:lnRef idx="2">
+            <a:schemeClr val="accent1">
+              <a:shade val="50000"/>
+            </a:schemeClr>
+          </a:lnRef>
+          <a:fillRef idx="1">
+            <a:schemeClr val="accent1"/>
+          </a:fillRef>
+          <a:effectRef idx="0">
+            <a:schemeClr val="accent1"/>
+          </a:effectRef>
+          <a:fontRef idx="minor">
+            <a:schemeClr val="lt1"/>
+          </a:fontRef>
+        </p:style>
+        <p:txBody>
+          <a:bodyPr rtlCol="0" anchor="ctr"/>
+          <a:lstStyle/>
+          <a:p>
+            <a:pPr algn="ctr"/>
+            <a:r>
+              <a:rPr lang="ru-RU" sz="1500" dirty="0"/>
+              <a:t>Лояльность</a:t>
+            </a:r>
+          </a:p>
+        </p:txBody>
+      </p:sp>
+      <p:sp>
+        <p:nvSpPr>
+          <p:cNvPr id="11" name="Прямоугольник: скругленные углы 10">
+            <a:extLst>
+              <a:ext uri="{FF2B5EF4-FFF2-40B4-BE49-F238E27FC236}">
+                <a16:creationId xmlns:a16="http://schemas.microsoft.com/office/drawing/2014/main" id="{8BBCF02B-EFC2-41FA-9AEC-56A7F0F55322}"/>
+              </a:ext>
+            </a:extLst>
+          </p:cNvPr>
+          <p:cNvSpPr/>
+          <p:nvPr/>
+        </p:nvSpPr>
+        <p:spPr>
+          <a:xfrm>
+            <a:off x="2256090" y="3636235"/>
+            <a:ext cx="1264778" cy="1187865"/>
+          </a:xfrm>
+          <a:prstGeom prst="roundRect">
+            <a:avLst/>
+          </a:prstGeom>
+          <a:solidFill>
+            <a:schemeClr val="accent6"/>
+          </a:solidFill>
+        </p:spPr>
+        <p:style>
+          <a:lnRef idx="2">
+            <a:schemeClr val="accent1">
+              <a:shade val="50000"/>
+            </a:schemeClr>
+          </a:lnRef>
+          <a:fillRef idx="1">
+            <a:schemeClr val="accent1"/>
+          </a:fillRef>
+          <a:effectRef idx="0">
+            <a:schemeClr val="accent1"/>
+          </a:effectRef>
+          <a:fontRef idx="minor">
+            <a:schemeClr val="lt1"/>
+          </a:fontRef>
+        </p:style>
+        <p:txBody>
+          <a:bodyPr rtlCol="0" anchor="ctr"/>
+          <a:lstStyle/>
+          <a:p>
+            <a:pPr algn="ctr"/>
+            <a:r>
+              <a:rPr lang="ru-RU" sz="1500" dirty="0"/>
+              <a:t>Категории</a:t>
+            </a:r>
+          </a:p>
+        </p:txBody>
+      </p:sp>
+      <p:pic>
+        <p:nvPicPr>
+          <p:cNvPr id="12" name="Рисунок 11">
+            <a:extLst>
+              <a:ext uri="{FF2B5EF4-FFF2-40B4-BE49-F238E27FC236}">
+                <a16:creationId xmlns:a16="http://schemas.microsoft.com/office/drawing/2014/main" id="{6F128DBD-475D-408B-9F09-8EBBE1786BAE}"/>
+              </a:ext>
+            </a:extLst>
+          </p:cNvPr>
+          <p:cNvPicPr>
+            <a:picLocks noChangeAspect="1"/>
+          </p:cNvPicPr>
+          <p:nvPr/>
+        </p:nvPicPr>
+        <p:blipFill>
+          <a:blip r:embed="rId2"/>
+          <a:stretch>
+            <a:fillRect/>
+          </a:stretch>
+        </p:blipFill>
+        <p:spPr>
+          <a:xfrm>
+            <a:off x="4297065" y="100012"/>
+            <a:ext cx="3381375" cy="6657975"/>
+          </a:xfrm>
+          <a:prstGeom prst="rect">
+            <a:avLst/>
+          </a:prstGeom>
+        </p:spPr>
+      </p:pic>
+      <p:sp>
+        <p:nvSpPr>
+          <p:cNvPr id="13" name="Прямоугольник: скругленные углы 12">
+            <a:extLst>
+              <a:ext uri="{FF2B5EF4-FFF2-40B4-BE49-F238E27FC236}">
+                <a16:creationId xmlns:a16="http://schemas.microsoft.com/office/drawing/2014/main" id="{8AEA31EB-8EF2-436A-A3A5-3C702668A922}"/>
+              </a:ext>
+            </a:extLst>
+          </p:cNvPr>
+          <p:cNvSpPr/>
+          <p:nvPr/>
+        </p:nvSpPr>
+        <p:spPr>
+          <a:xfrm>
+            <a:off x="4634669" y="846034"/>
+            <a:ext cx="1264778" cy="1187865"/>
+          </a:xfrm>
+          <a:prstGeom prst="roundRect">
+            <a:avLst/>
+          </a:prstGeom>
+        </p:spPr>
+        <p:style>
+          <a:lnRef idx="2">
+            <a:schemeClr val="accent1">
+              <a:shade val="50000"/>
+            </a:schemeClr>
+          </a:lnRef>
+          <a:fillRef idx="1">
+            <a:schemeClr val="accent1"/>
+          </a:fillRef>
+          <a:effectRef idx="0">
+            <a:schemeClr val="accent1"/>
+          </a:effectRef>
+          <a:fontRef idx="minor">
+            <a:schemeClr val="lt1"/>
+          </a:fontRef>
+        </p:style>
+        <p:txBody>
+          <a:bodyPr rtlCol="0" anchor="ctr"/>
+          <a:lstStyle/>
+          <a:p>
+            <a:pPr algn="ctr"/>
+            <a:r>
+              <a:rPr lang="ru-RU" sz="1600" dirty="0"/>
+              <a:t>Политика</a:t>
+            </a:r>
+          </a:p>
+        </p:txBody>
+      </p:sp>
+      <p:sp>
+        <p:nvSpPr>
+          <p:cNvPr id="14" name="Прямоугольник: скругленные углы 13">
+            <a:extLst>
+              <a:ext uri="{FF2B5EF4-FFF2-40B4-BE49-F238E27FC236}">
+                <a16:creationId xmlns:a16="http://schemas.microsoft.com/office/drawing/2014/main" id="{457FBB51-413A-4024-B248-35AC7705718D}"/>
+              </a:ext>
+            </a:extLst>
+          </p:cNvPr>
+          <p:cNvSpPr/>
+          <p:nvPr/>
+        </p:nvSpPr>
+        <p:spPr>
+          <a:xfrm>
+            <a:off x="6096000" y="846033"/>
+            <a:ext cx="1264778" cy="1187865"/>
+          </a:xfrm>
+          <a:prstGeom prst="roundRect">
+            <a:avLst/>
+          </a:prstGeom>
+        </p:spPr>
+        <p:style>
+          <a:lnRef idx="2">
+            <a:schemeClr val="accent6">
+              <a:shade val="50000"/>
+            </a:schemeClr>
+          </a:lnRef>
+          <a:fillRef idx="1">
+            <a:schemeClr val="accent6"/>
+          </a:fillRef>
+          <a:effectRef idx="0">
+            <a:schemeClr val="accent6"/>
+          </a:effectRef>
+          <a:fontRef idx="minor">
+            <a:schemeClr val="lt1"/>
+          </a:fontRef>
+        </p:style>
+        <p:txBody>
+          <a:bodyPr rtlCol="0" anchor="ctr"/>
+          <a:lstStyle/>
+          <a:p>
+            <a:pPr algn="ctr"/>
+            <a:r>
+              <a:rPr lang="ru-RU" sz="1500" dirty="0"/>
+              <a:t>Экономика</a:t>
+            </a:r>
+          </a:p>
+        </p:txBody>
+      </p:sp>
+      <p:sp>
+        <p:nvSpPr>
+          <p:cNvPr id="15" name="Прямоугольник: скругленные углы 14">
+            <a:extLst>
+              <a:ext uri="{FF2B5EF4-FFF2-40B4-BE49-F238E27FC236}">
+                <a16:creationId xmlns:a16="http://schemas.microsoft.com/office/drawing/2014/main" id="{8261CA44-5BF6-4703-8345-85D50DB63B89}"/>
+              </a:ext>
+            </a:extLst>
+          </p:cNvPr>
+          <p:cNvSpPr/>
+          <p:nvPr/>
+        </p:nvSpPr>
+        <p:spPr>
+          <a:xfrm>
+            <a:off x="4634669" y="3636237"/>
+            <a:ext cx="1264778" cy="1187865"/>
+          </a:xfrm>
+          <a:prstGeom prst="roundRect">
+            <a:avLst/>
+          </a:prstGeom>
+        </p:spPr>
+        <p:style>
+          <a:lnRef idx="2">
+            <a:schemeClr val="accent1">
+              <a:shade val="50000"/>
+            </a:schemeClr>
+          </a:lnRef>
+          <a:fillRef idx="1">
+            <a:schemeClr val="accent1"/>
+          </a:fillRef>
+          <a:effectRef idx="0">
+            <a:schemeClr val="accent1"/>
+          </a:effectRef>
+          <a:fontRef idx="minor">
+            <a:schemeClr val="lt1"/>
+          </a:fontRef>
+        </p:style>
+        <p:txBody>
+          <a:bodyPr rtlCol="0" anchor="ctr"/>
+          <a:lstStyle/>
+          <a:p>
+            <a:pPr algn="ctr"/>
+            <a:r>
+              <a:rPr lang="ru-RU" sz="1600" dirty="0"/>
+              <a:t>Наука</a:t>
+            </a:r>
+          </a:p>
+        </p:txBody>
+      </p:sp>
+      <p:sp>
+        <p:nvSpPr>
+          <p:cNvPr id="16" name="Прямоугольник: скругленные углы 15">
+            <a:extLst>
+              <a:ext uri="{FF2B5EF4-FFF2-40B4-BE49-F238E27FC236}">
+                <a16:creationId xmlns:a16="http://schemas.microsoft.com/office/drawing/2014/main" id="{C42A4096-F310-43AC-B7BE-AB7502C86068}"/>
+              </a:ext>
+            </a:extLst>
+          </p:cNvPr>
+          <p:cNvSpPr/>
+          <p:nvPr/>
+        </p:nvSpPr>
+        <p:spPr>
+          <a:xfrm>
+            <a:off x="6096000" y="5031339"/>
+            <a:ext cx="1264778" cy="1187865"/>
+          </a:xfrm>
+          <a:prstGeom prst="roundRect">
+            <a:avLst/>
+          </a:prstGeom>
+        </p:spPr>
+        <p:style>
+          <a:lnRef idx="2">
+            <a:schemeClr val="accent1">
+              <a:shade val="50000"/>
+            </a:schemeClr>
+          </a:lnRef>
+          <a:fillRef idx="1">
+            <a:schemeClr val="accent1"/>
+          </a:fillRef>
+          <a:effectRef idx="0">
+            <a:schemeClr val="accent1"/>
+          </a:effectRef>
+          <a:fontRef idx="minor">
+            <a:schemeClr val="lt1"/>
+          </a:fontRef>
+        </p:style>
+        <p:txBody>
+          <a:bodyPr rtlCol="0" anchor="ctr"/>
+          <a:lstStyle/>
+          <a:p>
+            <a:pPr algn="ctr"/>
+            <a:r>
+              <a:rPr lang="ru-RU" sz="1600" dirty="0"/>
+              <a:t>Спорт</a:t>
+            </a:r>
+          </a:p>
+        </p:txBody>
+      </p:sp>
+      <p:sp>
+        <p:nvSpPr>
+          <p:cNvPr id="17" name="Прямоугольник: скругленные углы 16">
+            <a:extLst>
+              <a:ext uri="{FF2B5EF4-FFF2-40B4-BE49-F238E27FC236}">
+                <a16:creationId xmlns:a16="http://schemas.microsoft.com/office/drawing/2014/main" id="{5B98113D-13A3-403F-B09C-97FFB49AEE81}"/>
+              </a:ext>
+            </a:extLst>
+          </p:cNvPr>
+          <p:cNvSpPr/>
+          <p:nvPr/>
+        </p:nvSpPr>
+        <p:spPr>
+          <a:xfrm>
+            <a:off x="4634669" y="2241134"/>
+            <a:ext cx="1264778" cy="1187865"/>
+          </a:xfrm>
+          <a:prstGeom prst="roundRect">
+            <a:avLst/>
+          </a:prstGeom>
+        </p:spPr>
+        <p:style>
+          <a:lnRef idx="2">
+            <a:schemeClr val="accent1">
+              <a:shade val="50000"/>
+            </a:schemeClr>
+          </a:lnRef>
+          <a:fillRef idx="1">
+            <a:schemeClr val="accent1"/>
+          </a:fillRef>
+          <a:effectRef idx="0">
+            <a:schemeClr val="accent1"/>
+          </a:effectRef>
+          <a:fontRef idx="minor">
+            <a:schemeClr val="lt1"/>
+          </a:fontRef>
+        </p:style>
+        <p:txBody>
+          <a:bodyPr rtlCol="0" anchor="ctr"/>
+          <a:lstStyle/>
+          <a:p>
+            <a:pPr algn="ctr"/>
+            <a:r>
+              <a:rPr lang="ru-RU" sz="1600" dirty="0"/>
+              <a:t>Криминал</a:t>
+            </a:r>
+          </a:p>
+        </p:txBody>
+      </p:sp>
+      <p:sp>
+        <p:nvSpPr>
+          <p:cNvPr id="18" name="Прямоугольник: скругленные углы 17">
+            <a:extLst>
+              <a:ext uri="{FF2B5EF4-FFF2-40B4-BE49-F238E27FC236}">
+                <a16:creationId xmlns:a16="http://schemas.microsoft.com/office/drawing/2014/main" id="{49235E92-2CE8-4BEC-A298-4DA86D196185}"/>
+              </a:ext>
+            </a:extLst>
+          </p:cNvPr>
+          <p:cNvSpPr/>
+          <p:nvPr/>
+        </p:nvSpPr>
+        <p:spPr>
+          <a:xfrm>
+            <a:off x="4634669" y="5031338"/>
+            <a:ext cx="1264778" cy="1187865"/>
+          </a:xfrm>
+          <a:prstGeom prst="roundRect">
+            <a:avLst/>
+          </a:prstGeom>
+        </p:spPr>
+        <p:style>
+          <a:lnRef idx="2">
+            <a:schemeClr val="accent1">
+              <a:shade val="50000"/>
+            </a:schemeClr>
+          </a:lnRef>
+          <a:fillRef idx="1">
+            <a:schemeClr val="accent1"/>
+          </a:fillRef>
+          <a:effectRef idx="0">
+            <a:schemeClr val="accent1"/>
+          </a:effectRef>
+          <a:fontRef idx="minor">
+            <a:schemeClr val="lt1"/>
+          </a:fontRef>
+        </p:style>
+        <p:txBody>
+          <a:bodyPr rtlCol="0" anchor="ctr"/>
+          <a:lstStyle/>
+          <a:p>
+            <a:pPr algn="ctr"/>
+            <a:r>
+              <a:rPr lang="ru-RU" sz="1600" dirty="0"/>
+              <a:t>Культура</a:t>
+            </a:r>
+          </a:p>
+        </p:txBody>
+      </p:sp>
+      <p:sp>
+        <p:nvSpPr>
+          <p:cNvPr id="19" name="Прямоугольник: скругленные углы 18">
+            <a:extLst>
+              <a:ext uri="{FF2B5EF4-FFF2-40B4-BE49-F238E27FC236}">
+                <a16:creationId xmlns:a16="http://schemas.microsoft.com/office/drawing/2014/main" id="{95D2F4C9-4E06-403A-A0A0-910A61333223}"/>
+              </a:ext>
+            </a:extLst>
+          </p:cNvPr>
+          <p:cNvSpPr/>
+          <p:nvPr/>
+        </p:nvSpPr>
+        <p:spPr>
+          <a:xfrm>
+            <a:off x="6096000" y="2241134"/>
+            <a:ext cx="1264778" cy="1187865"/>
+          </a:xfrm>
+          <a:prstGeom prst="roundRect">
+            <a:avLst/>
+          </a:prstGeom>
+        </p:spPr>
+        <p:style>
+          <a:lnRef idx="2">
+            <a:schemeClr val="accent1">
+              <a:shade val="50000"/>
+            </a:schemeClr>
+          </a:lnRef>
+          <a:fillRef idx="1">
+            <a:schemeClr val="accent1"/>
+          </a:fillRef>
+          <a:effectRef idx="0">
+            <a:schemeClr val="accent1"/>
+          </a:effectRef>
+          <a:fontRef idx="minor">
+            <a:schemeClr val="lt1"/>
+          </a:fontRef>
+        </p:style>
+        <p:txBody>
+          <a:bodyPr rtlCol="0" anchor="ctr"/>
+          <a:lstStyle/>
+          <a:p>
+            <a:pPr algn="ctr"/>
+            <a:r>
+              <a:rPr lang="ru-RU" sz="1500" dirty="0"/>
+              <a:t>Общество</a:t>
+            </a:r>
+          </a:p>
+        </p:txBody>
+      </p:sp>
+      <p:sp>
+        <p:nvSpPr>
+          <p:cNvPr id="21" name="Прямоугольник: скругленные углы 20">
+            <a:extLst>
+              <a:ext uri="{FF2B5EF4-FFF2-40B4-BE49-F238E27FC236}">
+                <a16:creationId xmlns:a16="http://schemas.microsoft.com/office/drawing/2014/main" id="{4951A363-A9A8-4C6C-9B8D-A2F0E7FBF560}"/>
+              </a:ext>
+            </a:extLst>
+          </p:cNvPr>
+          <p:cNvSpPr/>
+          <p:nvPr/>
+        </p:nvSpPr>
+        <p:spPr>
+          <a:xfrm>
+            <a:off x="6096000" y="3636234"/>
+            <a:ext cx="1264778" cy="1187865"/>
+          </a:xfrm>
+          <a:prstGeom prst="roundRect">
+            <a:avLst/>
+          </a:prstGeom>
+        </p:spPr>
+        <p:style>
+          <a:lnRef idx="2">
+            <a:schemeClr val="accent1">
+              <a:shade val="50000"/>
+            </a:schemeClr>
+          </a:lnRef>
+          <a:fillRef idx="1">
+            <a:schemeClr val="accent1"/>
+          </a:fillRef>
+          <a:effectRef idx="0">
+            <a:schemeClr val="accent1"/>
+          </a:effectRef>
+          <a:fontRef idx="minor">
+            <a:schemeClr val="lt1"/>
+          </a:fontRef>
+        </p:style>
+        <p:txBody>
+          <a:bodyPr rtlCol="0" anchor="ctr"/>
+          <a:lstStyle/>
+          <a:p>
+            <a:pPr algn="ctr"/>
+            <a:r>
+              <a:rPr lang="ru-RU" sz="1500" dirty="0"/>
+              <a:t>Армия</a:t>
+            </a:r>
+          </a:p>
+        </p:txBody>
+      </p:sp>
+      <p:pic>
+        <p:nvPicPr>
+          <p:cNvPr id="22" name="Рисунок 21">
+            <a:extLst>
+              <a:ext uri="{FF2B5EF4-FFF2-40B4-BE49-F238E27FC236}">
+                <a16:creationId xmlns:a16="http://schemas.microsoft.com/office/drawing/2014/main" id="{8E619D16-2502-4509-BEA7-5B73E4B91C11}"/>
+              </a:ext>
+            </a:extLst>
+          </p:cNvPr>
+          <p:cNvPicPr>
+            <a:picLocks noChangeAspect="1"/>
+          </p:cNvPicPr>
+          <p:nvPr/>
+        </p:nvPicPr>
+        <p:blipFill>
+          <a:blip r:embed="rId2"/>
+          <a:stretch>
+            <a:fillRect/>
+          </a:stretch>
+        </p:blipFill>
+        <p:spPr>
+          <a:xfrm>
+            <a:off x="8176191" y="100012"/>
+            <a:ext cx="3381375" cy="6657975"/>
+          </a:xfrm>
+          <a:prstGeom prst="rect">
+            <a:avLst/>
+          </a:prstGeom>
+        </p:spPr>
+      </p:pic>
+      <p:pic>
+        <p:nvPicPr>
+          <p:cNvPr id="23" name="Рисунок 22">
+            <a:extLst>
+              <a:ext uri="{FF2B5EF4-FFF2-40B4-BE49-F238E27FC236}">
+                <a16:creationId xmlns:a16="http://schemas.microsoft.com/office/drawing/2014/main" id="{BCE45F2B-38CC-4FB0-85DE-970B969E6FAB}"/>
+              </a:ext>
+            </a:extLst>
+          </p:cNvPr>
+          <p:cNvPicPr>
+            <a:picLocks noChangeAspect="1"/>
+          </p:cNvPicPr>
+          <p:nvPr/>
+        </p:nvPicPr>
+        <p:blipFill>
+          <a:blip r:embed="rId3"/>
+          <a:stretch>
+            <a:fillRect/>
+          </a:stretch>
+        </p:blipFill>
+        <p:spPr>
+          <a:xfrm>
+            <a:off x="8399199" y="1004818"/>
+            <a:ext cx="2992988" cy="5262838"/>
+          </a:xfrm>
+          <a:prstGeom prst="rect">
+            <a:avLst/>
+          </a:prstGeom>
+        </p:spPr>
+      </p:pic>
+      <p:sp>
+        <p:nvSpPr>
+          <p:cNvPr id="24" name="Прямоугольник 23">
+            <a:extLst>
+              <a:ext uri="{FF2B5EF4-FFF2-40B4-BE49-F238E27FC236}">
+                <a16:creationId xmlns:a16="http://schemas.microsoft.com/office/drawing/2014/main" id="{6DA78465-A02E-41BD-B261-5CC5EAA37347}"/>
+              </a:ext>
+            </a:extLst>
+          </p:cNvPr>
+          <p:cNvSpPr/>
+          <p:nvPr/>
+        </p:nvSpPr>
+        <p:spPr>
+          <a:xfrm>
+            <a:off x="8399199" y="606490"/>
+            <a:ext cx="2992988" cy="398328"/>
+          </a:xfrm>
+          <a:prstGeom prst="rect">
+            <a:avLst/>
+          </a:prstGeom>
+          <a:solidFill>
+            <a:schemeClr val="bg1"/>
+          </a:solidFill>
+          <a:ln>
+            <a:solidFill>
+              <a:schemeClr val="bg1">
+                <a:lumMod val="85000"/>
+              </a:schemeClr>
+            </a:solidFill>
+          </a:ln>
+        </p:spPr>
+        <p:style>
+          <a:lnRef idx="2">
+            <a:schemeClr val="accent1">
+              <a:shade val="50000"/>
+            </a:schemeClr>
+          </a:lnRef>
+          <a:fillRef idx="1">
+            <a:schemeClr val="accent1"/>
+          </a:fillRef>
+          <a:effectRef idx="0">
+            <a:schemeClr val="accent1"/>
+          </a:effectRef>
+          <a:fontRef idx="minor">
+            <a:schemeClr val="lt1"/>
+          </a:fontRef>
+        </p:style>
+        <p:txBody>
+          <a:bodyPr rtlCol="0" anchor="ctr"/>
+          <a:lstStyle/>
+          <a:p>
+            <a:r>
+              <a:rPr lang="ru-RU" dirty="0">
+                <a:solidFill>
+                  <a:schemeClr val="tx1"/>
+                </a:solidFill>
+              </a:rPr>
+              <a:t>Экономика</a:t>
+            </a:r>
+          </a:p>
+        </p:txBody>
+      </p:sp>
+      <p:pic>
+        <p:nvPicPr>
+          <p:cNvPr id="25" name="Рисунок 24">
+            <a:extLst>
+              <a:ext uri="{FF2B5EF4-FFF2-40B4-BE49-F238E27FC236}">
+                <a16:creationId xmlns:a16="http://schemas.microsoft.com/office/drawing/2014/main" id="{826B264B-45D7-40B5-8A70-E470A3D87264}"/>
+              </a:ext>
+            </a:extLst>
+          </p:cNvPr>
+          <p:cNvPicPr>
+            <a:picLocks noChangeAspect="1"/>
+          </p:cNvPicPr>
+          <p:nvPr/>
+        </p:nvPicPr>
+        <p:blipFill>
+          <a:blip r:embed="rId4"/>
+          <a:stretch>
+            <a:fillRect/>
+          </a:stretch>
+        </p:blipFill>
+        <p:spPr>
+          <a:xfrm>
+            <a:off x="10995599" y="636998"/>
+            <a:ext cx="324830" cy="330496"/>
+          </a:xfrm>
+          <a:prstGeom prst="rect">
+            <a:avLst/>
+          </a:prstGeom>
+        </p:spPr>
+      </p:pic>
+      <p:sp>
+        <p:nvSpPr>
+          <p:cNvPr id="26" name="TextBox 25">
+            <a:extLst>
+              <a:ext uri="{FF2B5EF4-FFF2-40B4-BE49-F238E27FC236}">
+                <a16:creationId xmlns:a16="http://schemas.microsoft.com/office/drawing/2014/main" id="{3F48C365-50D4-465F-B665-B791519954A1}"/>
+              </a:ext>
+            </a:extLst>
+          </p:cNvPr>
+          <p:cNvSpPr txBox="1"/>
+          <p:nvPr/>
+        </p:nvSpPr>
+        <p:spPr>
+          <a:xfrm>
+            <a:off x="8476334" y="1439965"/>
+            <a:ext cx="2519265" cy="646331"/>
+          </a:xfrm>
+          <a:prstGeom prst="rect">
+            <a:avLst/>
+          </a:prstGeom>
+          <a:solidFill>
+            <a:schemeClr val="accent5">
+              <a:lumMod val="40000"/>
+              <a:lumOff val="60000"/>
+            </a:schemeClr>
+          </a:solidFill>
+        </p:spPr>
+        <p:txBody>
+          <a:bodyPr wrap="square" rtlCol="0">
+            <a:spAutoFit/>
+          </a:bodyPr>
+          <a:lstStyle/>
+          <a:p>
+            <a:r>
+              <a:rPr lang="ru-RU" dirty="0"/>
+              <a:t>Отметка мест обсуждения категории</a:t>
+            </a:r>
+          </a:p>
+        </p:txBody>
+      </p:sp>
+      <p:sp>
+        <p:nvSpPr>
+          <p:cNvPr id="27" name="Стрелка: вниз 26">
+            <a:extLst>
+              <a:ext uri="{FF2B5EF4-FFF2-40B4-BE49-F238E27FC236}">
+                <a16:creationId xmlns:a16="http://schemas.microsoft.com/office/drawing/2014/main" id="{9B2C3B6D-62B3-4474-9FE1-6CD678FB624D}"/>
+              </a:ext>
+            </a:extLst>
+          </p:cNvPr>
+          <p:cNvSpPr/>
+          <p:nvPr/>
+        </p:nvSpPr>
+        <p:spPr>
+          <a:xfrm>
+            <a:off x="8892074" y="1023228"/>
+            <a:ext cx="354563" cy="455057"/>
+          </a:xfrm>
+          <a:prstGeom prst="downArrow">
+            <a:avLst/>
+          </a:prstGeom>
+          <a:solidFill>
+            <a:schemeClr val="accent5">
+              <a:lumMod val="40000"/>
+              <a:lumOff val="60000"/>
+            </a:schemeClr>
+          </a:solidFill>
+          <a:ln>
+            <a:solidFill>
+              <a:schemeClr val="accent1"/>
+            </a:solidFill>
+          </a:ln>
+        </p:spPr>
+        <p:txBody>
+          <a:bodyPr wrap="square" rtlCol="0">
+            <a:spAutoFit/>
+          </a:bodyPr>
+          <a:lstStyle/>
+          <a:p>
+            <a:endParaRPr lang="ru-RU">
+              <a:solidFill>
+                <a:schemeClr val="tx1"/>
+              </a:solidFill>
+            </a:endParaRPr>
+          </a:p>
+        </p:txBody>
+      </p:sp>
+      <p:pic>
+        <p:nvPicPr>
+          <p:cNvPr id="28" name="Рисунок 27">
+            <a:extLst>
+              <a:ext uri="{FF2B5EF4-FFF2-40B4-BE49-F238E27FC236}">
+                <a16:creationId xmlns:a16="http://schemas.microsoft.com/office/drawing/2014/main" id="{16E123E2-CAA4-4396-9B4F-B9B90B9ADEA1}"/>
+              </a:ext>
+            </a:extLst>
+          </p:cNvPr>
+          <p:cNvPicPr>
+            <a:picLocks noChangeAspect="1"/>
+          </p:cNvPicPr>
+          <p:nvPr/>
+        </p:nvPicPr>
+        <p:blipFill>
+          <a:blip r:embed="rId5"/>
+          <a:stretch>
+            <a:fillRect/>
+          </a:stretch>
+        </p:blipFill>
+        <p:spPr>
+          <a:xfrm>
+            <a:off x="9898803" y="2685233"/>
+            <a:ext cx="234986" cy="300564"/>
+          </a:xfrm>
+          <a:prstGeom prst="rect">
+            <a:avLst/>
+          </a:prstGeom>
+        </p:spPr>
+      </p:pic>
+      <p:pic>
+        <p:nvPicPr>
+          <p:cNvPr id="29" name="Рисунок 28">
+            <a:extLst>
+              <a:ext uri="{FF2B5EF4-FFF2-40B4-BE49-F238E27FC236}">
+                <a16:creationId xmlns:a16="http://schemas.microsoft.com/office/drawing/2014/main" id="{83BCCFCD-217C-4105-B819-A8FD15534430}"/>
+              </a:ext>
+            </a:extLst>
+          </p:cNvPr>
+          <p:cNvPicPr>
+            <a:picLocks noChangeAspect="1"/>
+          </p:cNvPicPr>
+          <p:nvPr/>
+        </p:nvPicPr>
+        <p:blipFill>
+          <a:blip r:embed="rId5"/>
+          <a:stretch>
+            <a:fillRect/>
+          </a:stretch>
+        </p:blipFill>
+        <p:spPr>
+          <a:xfrm>
+            <a:off x="9129144" y="2534951"/>
+            <a:ext cx="234986" cy="300564"/>
+          </a:xfrm>
+          <a:prstGeom prst="rect">
+            <a:avLst/>
+          </a:prstGeom>
+        </p:spPr>
+      </p:pic>
+      <p:pic>
+        <p:nvPicPr>
+          <p:cNvPr id="30" name="Рисунок 29">
+            <a:extLst>
+              <a:ext uri="{FF2B5EF4-FFF2-40B4-BE49-F238E27FC236}">
+                <a16:creationId xmlns:a16="http://schemas.microsoft.com/office/drawing/2014/main" id="{079719A7-2C94-49B1-A321-7F59B51A497C}"/>
+              </a:ext>
+            </a:extLst>
+          </p:cNvPr>
+          <p:cNvPicPr>
+            <a:picLocks noChangeAspect="1"/>
+          </p:cNvPicPr>
+          <p:nvPr/>
+        </p:nvPicPr>
+        <p:blipFill>
+          <a:blip r:embed="rId5"/>
+          <a:stretch>
+            <a:fillRect/>
+          </a:stretch>
+        </p:blipFill>
+        <p:spPr>
+          <a:xfrm>
+            <a:off x="9069355" y="3416700"/>
+            <a:ext cx="234986" cy="300564"/>
+          </a:xfrm>
+          <a:prstGeom prst="rect">
+            <a:avLst/>
+          </a:prstGeom>
+        </p:spPr>
+      </p:pic>
+      <p:pic>
+        <p:nvPicPr>
+          <p:cNvPr id="31" name="Рисунок 30">
+            <a:extLst>
+              <a:ext uri="{FF2B5EF4-FFF2-40B4-BE49-F238E27FC236}">
+                <a16:creationId xmlns:a16="http://schemas.microsoft.com/office/drawing/2014/main" id="{ED748315-E65D-4E92-A85B-BBB19485D513}"/>
+              </a:ext>
+            </a:extLst>
+          </p:cNvPr>
+          <p:cNvPicPr>
+            <a:picLocks noChangeAspect="1"/>
+          </p:cNvPicPr>
+          <p:nvPr/>
+        </p:nvPicPr>
+        <p:blipFill>
+          <a:blip r:embed="rId6"/>
+          <a:stretch>
+            <a:fillRect/>
+          </a:stretch>
+        </p:blipFill>
+        <p:spPr>
+          <a:xfrm>
+            <a:off x="10668462" y="2981131"/>
+            <a:ext cx="228632" cy="295316"/>
+          </a:xfrm>
+          <a:prstGeom prst="rect">
+            <a:avLst/>
+          </a:prstGeom>
+        </p:spPr>
+      </p:pic>
+      <p:pic>
+        <p:nvPicPr>
+          <p:cNvPr id="32" name="Рисунок 31">
+            <a:extLst>
+              <a:ext uri="{FF2B5EF4-FFF2-40B4-BE49-F238E27FC236}">
+                <a16:creationId xmlns:a16="http://schemas.microsoft.com/office/drawing/2014/main" id="{F2117351-EBAE-4584-AA07-DA672A3F0725}"/>
+              </a:ext>
+            </a:extLst>
+          </p:cNvPr>
+          <p:cNvPicPr>
+            <a:picLocks noChangeAspect="1"/>
+          </p:cNvPicPr>
+          <p:nvPr/>
+        </p:nvPicPr>
+        <p:blipFill>
+          <a:blip r:embed="rId6"/>
+          <a:stretch>
+            <a:fillRect/>
+          </a:stretch>
+        </p:blipFill>
+        <p:spPr>
+          <a:xfrm>
+            <a:off x="9812215" y="4183752"/>
+            <a:ext cx="228632" cy="295316"/>
+          </a:xfrm>
+          <a:prstGeom prst="rect">
+            <a:avLst/>
+          </a:prstGeom>
+        </p:spPr>
+      </p:pic>
+      <p:sp>
+        <p:nvSpPr>
+          <p:cNvPr id="33" name="TextBox 32">
+            <a:extLst>
+              <a:ext uri="{FF2B5EF4-FFF2-40B4-BE49-F238E27FC236}">
+                <a16:creationId xmlns:a16="http://schemas.microsoft.com/office/drawing/2014/main" id="{34143DE5-D92B-4D3C-8214-3F24BC9B381D}"/>
+              </a:ext>
+            </a:extLst>
+          </p:cNvPr>
+          <p:cNvSpPr txBox="1"/>
+          <p:nvPr/>
+        </p:nvSpPr>
+        <p:spPr>
+          <a:xfrm>
+            <a:off x="9069355" y="2397722"/>
+            <a:ext cx="338554" cy="215444"/>
+          </a:xfrm>
+          <a:prstGeom prst="rect">
+            <a:avLst/>
+          </a:prstGeom>
+          <a:noFill/>
+        </p:spPr>
+        <p:txBody>
+          <a:bodyPr wrap="none" rtlCol="0">
+            <a:spAutoFit/>
+          </a:bodyPr>
+          <a:lstStyle/>
+          <a:p>
+            <a:r>
+              <a:rPr lang="ru-RU" sz="800" dirty="0"/>
+              <a:t>100</a:t>
+            </a:r>
+          </a:p>
+        </p:txBody>
+      </p:sp>
+      <p:sp>
+        <p:nvSpPr>
+          <p:cNvPr id="34" name="TextBox 33">
+            <a:extLst>
+              <a:ext uri="{FF2B5EF4-FFF2-40B4-BE49-F238E27FC236}">
+                <a16:creationId xmlns:a16="http://schemas.microsoft.com/office/drawing/2014/main" id="{22D4B64D-B10D-48CE-A623-A2C48833263E}"/>
+              </a:ext>
+            </a:extLst>
+          </p:cNvPr>
+          <p:cNvSpPr txBox="1"/>
+          <p:nvPr/>
+        </p:nvSpPr>
+        <p:spPr>
+          <a:xfrm>
+            <a:off x="9821371" y="2534951"/>
+            <a:ext cx="389850" cy="215444"/>
+          </a:xfrm>
+          <a:prstGeom prst="rect">
+            <a:avLst/>
+          </a:prstGeom>
+          <a:noFill/>
+        </p:spPr>
+        <p:txBody>
+          <a:bodyPr wrap="none" rtlCol="0">
+            <a:spAutoFit/>
+          </a:bodyPr>
+          <a:lstStyle/>
+          <a:p>
+            <a:r>
+              <a:rPr lang="ru-RU" sz="800" dirty="0"/>
+              <a:t>5432</a:t>
+            </a:r>
+          </a:p>
+        </p:txBody>
+      </p:sp>
+      <p:sp>
+        <p:nvSpPr>
+          <p:cNvPr id="35" name="TextBox 34">
+            <a:extLst>
+              <a:ext uri="{FF2B5EF4-FFF2-40B4-BE49-F238E27FC236}">
+                <a16:creationId xmlns:a16="http://schemas.microsoft.com/office/drawing/2014/main" id="{3A92D991-698E-4C02-A1EB-5C83EF6B4A54}"/>
+              </a:ext>
+            </a:extLst>
+          </p:cNvPr>
+          <p:cNvSpPr txBox="1"/>
+          <p:nvPr/>
+        </p:nvSpPr>
+        <p:spPr>
+          <a:xfrm>
+            <a:off x="9782902" y="4014725"/>
+            <a:ext cx="287258" cy="215444"/>
+          </a:xfrm>
+          <a:prstGeom prst="rect">
+            <a:avLst/>
+          </a:prstGeom>
+          <a:noFill/>
+        </p:spPr>
+        <p:txBody>
+          <a:bodyPr wrap="none" rtlCol="0">
+            <a:spAutoFit/>
+          </a:bodyPr>
+          <a:lstStyle/>
+          <a:p>
+            <a:r>
+              <a:rPr lang="ru-RU" sz="800" dirty="0"/>
+              <a:t>23</a:t>
+            </a:r>
+          </a:p>
+        </p:txBody>
+      </p:sp>
+      <p:sp>
+        <p:nvSpPr>
+          <p:cNvPr id="36" name="TextBox 35">
+            <a:extLst>
+              <a:ext uri="{FF2B5EF4-FFF2-40B4-BE49-F238E27FC236}">
+                <a16:creationId xmlns:a16="http://schemas.microsoft.com/office/drawing/2014/main" id="{53F5ED92-6807-4C4A-A87F-04812D18C75B}"/>
+              </a:ext>
+            </a:extLst>
+          </p:cNvPr>
+          <p:cNvSpPr txBox="1"/>
+          <p:nvPr/>
+        </p:nvSpPr>
+        <p:spPr>
+          <a:xfrm>
+            <a:off x="9042471" y="3253770"/>
+            <a:ext cx="338554" cy="215444"/>
+          </a:xfrm>
+          <a:prstGeom prst="rect">
+            <a:avLst/>
+          </a:prstGeom>
+          <a:noFill/>
+        </p:spPr>
+        <p:txBody>
+          <a:bodyPr wrap="none" rtlCol="0">
+            <a:spAutoFit/>
+          </a:bodyPr>
+          <a:lstStyle/>
+          <a:p>
+            <a:r>
+              <a:rPr lang="ru-RU" sz="800" dirty="0"/>
+              <a:t>130</a:t>
+            </a:r>
+          </a:p>
+        </p:txBody>
+      </p:sp>
+      <p:sp>
+        <p:nvSpPr>
+          <p:cNvPr id="37" name="TextBox 36">
+            <a:extLst>
+              <a:ext uri="{FF2B5EF4-FFF2-40B4-BE49-F238E27FC236}">
+                <a16:creationId xmlns:a16="http://schemas.microsoft.com/office/drawing/2014/main" id="{659C766B-8EED-497B-9DBF-2D41C3459A34}"/>
+              </a:ext>
+            </a:extLst>
+          </p:cNvPr>
+          <p:cNvSpPr txBox="1"/>
+          <p:nvPr/>
+        </p:nvSpPr>
+        <p:spPr>
+          <a:xfrm>
+            <a:off x="10639149" y="2835066"/>
+            <a:ext cx="338554" cy="215444"/>
+          </a:xfrm>
+          <a:prstGeom prst="rect">
+            <a:avLst/>
+          </a:prstGeom>
+          <a:noFill/>
+        </p:spPr>
+        <p:txBody>
+          <a:bodyPr wrap="none" rtlCol="0">
+            <a:spAutoFit/>
+          </a:bodyPr>
+          <a:lstStyle/>
+          <a:p>
+            <a:r>
+              <a:rPr lang="ru-RU" sz="800" dirty="0"/>
+              <a:t>578</a:t>
+            </a:r>
+          </a:p>
+        </p:txBody>
+      </p:sp>
+      <p:sp>
+        <p:nvSpPr>
+          <p:cNvPr id="38" name="Стрелка: вправо 37">
+            <a:extLst>
+              <a:ext uri="{FF2B5EF4-FFF2-40B4-BE49-F238E27FC236}">
+                <a16:creationId xmlns:a16="http://schemas.microsoft.com/office/drawing/2014/main" id="{67121879-8007-4D88-BF10-FFB22907C342}"/>
+              </a:ext>
+            </a:extLst>
+          </p:cNvPr>
+          <p:cNvSpPr/>
+          <p:nvPr/>
+        </p:nvSpPr>
+        <p:spPr>
+          <a:xfrm>
+            <a:off x="3838530" y="3161944"/>
+            <a:ext cx="458535" cy="307270"/>
+          </a:xfrm>
+          <a:prstGeom prst="rightArrow">
+            <a:avLst/>
+          </a:prstGeom>
+        </p:spPr>
+        <p:style>
+          <a:lnRef idx="2">
+            <a:schemeClr val="accent1">
+              <a:shade val="50000"/>
+            </a:schemeClr>
+          </a:lnRef>
+          <a:fillRef idx="1">
+            <a:schemeClr val="accent1"/>
+          </a:fillRef>
+          <a:effectRef idx="0">
+            <a:schemeClr val="accent1"/>
+          </a:effectRef>
+          <a:fontRef idx="minor">
+            <a:schemeClr val="lt1"/>
+          </a:fontRef>
+        </p:style>
+        <p:txBody>
+          <a:bodyPr rtlCol="0" anchor="ctr"/>
+          <a:lstStyle/>
+          <a:p>
+            <a:pPr algn="ctr"/>
+            <a:endParaRPr lang="ru-RU"/>
+          </a:p>
+        </p:txBody>
+      </p:sp>
+      <p:sp>
+        <p:nvSpPr>
+          <p:cNvPr id="39" name="Стрелка: вправо 38">
+            <a:extLst>
+              <a:ext uri="{FF2B5EF4-FFF2-40B4-BE49-F238E27FC236}">
+                <a16:creationId xmlns:a16="http://schemas.microsoft.com/office/drawing/2014/main" id="{008E45E2-9259-4527-AB99-76E91B2B0177}"/>
+              </a:ext>
+            </a:extLst>
+          </p:cNvPr>
+          <p:cNvSpPr/>
+          <p:nvPr/>
+        </p:nvSpPr>
+        <p:spPr>
+          <a:xfrm>
+            <a:off x="7702999" y="3139714"/>
+            <a:ext cx="458535" cy="307270"/>
+          </a:xfrm>
+          <a:prstGeom prst="rightArrow">
+            <a:avLst/>
+          </a:prstGeom>
+        </p:spPr>
+        <p:style>
+          <a:lnRef idx="2">
+            <a:schemeClr val="accent1">
+              <a:shade val="50000"/>
+            </a:schemeClr>
+          </a:lnRef>
+          <a:fillRef idx="1">
+            <a:schemeClr val="accent1"/>
+          </a:fillRef>
+          <a:effectRef idx="0">
+            <a:schemeClr val="accent1"/>
+          </a:effectRef>
+          <a:fontRef idx="minor">
+            <a:schemeClr val="lt1"/>
+          </a:fontRef>
+        </p:style>
+        <p:txBody>
+          <a:bodyPr rtlCol="0" anchor="ctr"/>
+          <a:lstStyle/>
+          <a:p>
+            <a:pPr algn="ctr"/>
+            <a:endParaRPr lang="ru-RU"/>
+          </a:p>
+        </p:txBody>
+      </p:sp>
     </p:spTree>
     <p:extLst>
       <p:ext uri="{BB962C8B-B14F-4D97-AF65-F5344CB8AC3E}">

--- a/Documentation/Интерфейс смартфона.pptx
+++ b/Documentation/Интерфейс смартфона.pptx
@@ -364,7 +364,7 @@
           <a:p>
             <a:fld id="{9B40D55A-41C6-46CA-AC3B-308FF6D5F691}" type="datetimeFigureOut">
               <a:rPr lang="ru-RU" smtClean="0"/>
-              <a:t>06.04.2021</a:t>
+              <a:t>22.12.2021</a:t>
             </a:fld>
             <a:endParaRPr lang="ru-RU"/>
           </a:p>
@@ -562,7 +562,7 @@
           <a:p>
             <a:fld id="{9B40D55A-41C6-46CA-AC3B-308FF6D5F691}" type="datetimeFigureOut">
               <a:rPr lang="ru-RU" smtClean="0"/>
-              <a:t>06.04.2021</a:t>
+              <a:t>22.12.2021</a:t>
             </a:fld>
             <a:endParaRPr lang="ru-RU"/>
           </a:p>
@@ -770,7 +770,7 @@
           <a:p>
             <a:fld id="{9B40D55A-41C6-46CA-AC3B-308FF6D5F691}" type="datetimeFigureOut">
               <a:rPr lang="ru-RU" smtClean="0"/>
-              <a:t>06.04.2021</a:t>
+              <a:t>22.12.2021</a:t>
             </a:fld>
             <a:endParaRPr lang="ru-RU"/>
           </a:p>
@@ -968,7 +968,7 @@
           <a:p>
             <a:fld id="{9B40D55A-41C6-46CA-AC3B-308FF6D5F691}" type="datetimeFigureOut">
               <a:rPr lang="ru-RU" smtClean="0"/>
-              <a:t>06.04.2021</a:t>
+              <a:t>22.12.2021</a:t>
             </a:fld>
             <a:endParaRPr lang="ru-RU"/>
           </a:p>
@@ -1243,7 +1243,7 @@
           <a:p>
             <a:fld id="{9B40D55A-41C6-46CA-AC3B-308FF6D5F691}" type="datetimeFigureOut">
               <a:rPr lang="ru-RU" smtClean="0"/>
-              <a:t>06.04.2021</a:t>
+              <a:t>22.12.2021</a:t>
             </a:fld>
             <a:endParaRPr lang="ru-RU"/>
           </a:p>
@@ -1508,7 +1508,7 @@
           <a:p>
             <a:fld id="{9B40D55A-41C6-46CA-AC3B-308FF6D5F691}" type="datetimeFigureOut">
               <a:rPr lang="ru-RU" smtClean="0"/>
-              <a:t>06.04.2021</a:t>
+              <a:t>22.12.2021</a:t>
             </a:fld>
             <a:endParaRPr lang="ru-RU"/>
           </a:p>
@@ -1920,7 +1920,7 @@
           <a:p>
             <a:fld id="{9B40D55A-41C6-46CA-AC3B-308FF6D5F691}" type="datetimeFigureOut">
               <a:rPr lang="ru-RU" smtClean="0"/>
-              <a:t>06.04.2021</a:t>
+              <a:t>22.12.2021</a:t>
             </a:fld>
             <a:endParaRPr lang="ru-RU"/>
           </a:p>
@@ -2061,7 +2061,7 @@
           <a:p>
             <a:fld id="{9B40D55A-41C6-46CA-AC3B-308FF6D5F691}" type="datetimeFigureOut">
               <a:rPr lang="ru-RU" smtClean="0"/>
-              <a:t>06.04.2021</a:t>
+              <a:t>22.12.2021</a:t>
             </a:fld>
             <a:endParaRPr lang="ru-RU"/>
           </a:p>
@@ -2174,7 +2174,7 @@
           <a:p>
             <a:fld id="{9B40D55A-41C6-46CA-AC3B-308FF6D5F691}" type="datetimeFigureOut">
               <a:rPr lang="ru-RU" smtClean="0"/>
-              <a:t>06.04.2021</a:t>
+              <a:t>22.12.2021</a:t>
             </a:fld>
             <a:endParaRPr lang="ru-RU"/>
           </a:p>
@@ -2485,7 +2485,7 @@
           <a:p>
             <a:fld id="{9B40D55A-41C6-46CA-AC3B-308FF6D5F691}" type="datetimeFigureOut">
               <a:rPr lang="ru-RU" smtClean="0"/>
-              <a:t>06.04.2021</a:t>
+              <a:t>22.12.2021</a:t>
             </a:fld>
             <a:endParaRPr lang="ru-RU"/>
           </a:p>
@@ -2773,7 +2773,7 @@
           <a:p>
             <a:fld id="{9B40D55A-41C6-46CA-AC3B-308FF6D5F691}" type="datetimeFigureOut">
               <a:rPr lang="ru-RU" smtClean="0"/>
-              <a:t>06.04.2021</a:t>
+              <a:t>22.12.2021</a:t>
             </a:fld>
             <a:endParaRPr lang="ru-RU"/>
           </a:p>
@@ -3014,7 +3014,7 @@
           <a:p>
             <a:fld id="{9B40D55A-41C6-46CA-AC3B-308FF6D5F691}" type="datetimeFigureOut">
               <a:rPr lang="ru-RU" smtClean="0"/>
-              <a:t>06.04.2021</a:t>
+              <a:t>22.12.2021</a:t>
             </a:fld>
             <a:endParaRPr lang="ru-RU"/>
           </a:p>
@@ -3521,6 +3521,959 @@
           <a:chExt cx="0" cy="0"/>
         </a:xfrm>
       </p:grpSpPr>
+      <p:pic>
+        <p:nvPicPr>
+          <p:cNvPr id="2" name="Рисунок 1">
+            <a:extLst>
+              <a:ext uri="{FF2B5EF4-FFF2-40B4-BE49-F238E27FC236}">
+                <a16:creationId xmlns:a16="http://schemas.microsoft.com/office/drawing/2014/main" id="{33B38C7F-BBAA-486B-A8D2-5177F517480B}"/>
+              </a:ext>
+            </a:extLst>
+          </p:cNvPr>
+          <p:cNvPicPr>
+            <a:picLocks noChangeAspect="1"/>
+          </p:cNvPicPr>
+          <p:nvPr/>
+        </p:nvPicPr>
+        <p:blipFill>
+          <a:blip r:embed="rId2"/>
+          <a:stretch>
+            <a:fillRect/>
+          </a:stretch>
+        </p:blipFill>
+        <p:spPr>
+          <a:xfrm>
+            <a:off x="4396154" y="100012"/>
+            <a:ext cx="3381375" cy="6657975"/>
+          </a:xfrm>
+          <a:prstGeom prst="rect">
+            <a:avLst/>
+          </a:prstGeom>
+        </p:spPr>
+      </p:pic>
+      <p:pic>
+        <p:nvPicPr>
+          <p:cNvPr id="3" name="Рисунок 2">
+            <a:extLst>
+              <a:ext uri="{FF2B5EF4-FFF2-40B4-BE49-F238E27FC236}">
+                <a16:creationId xmlns:a16="http://schemas.microsoft.com/office/drawing/2014/main" id="{B75692AB-361F-4642-B0F5-A3653B496A0C}"/>
+              </a:ext>
+            </a:extLst>
+          </p:cNvPr>
+          <p:cNvPicPr>
+            <a:picLocks noChangeAspect="1"/>
+          </p:cNvPicPr>
+          <p:nvPr/>
+        </p:nvPicPr>
+        <p:blipFill>
+          <a:blip r:embed="rId3"/>
+          <a:stretch>
+            <a:fillRect/>
+          </a:stretch>
+        </p:blipFill>
+        <p:spPr>
+          <a:xfrm>
+            <a:off x="4619162" y="1004818"/>
+            <a:ext cx="2992988" cy="5262838"/>
+          </a:xfrm>
+          <a:prstGeom prst="rect">
+            <a:avLst/>
+          </a:prstGeom>
+        </p:spPr>
+      </p:pic>
+      <p:pic>
+        <p:nvPicPr>
+          <p:cNvPr id="5" name="Рисунок 4">
+            <a:extLst>
+              <a:ext uri="{FF2B5EF4-FFF2-40B4-BE49-F238E27FC236}">
+                <a16:creationId xmlns:a16="http://schemas.microsoft.com/office/drawing/2014/main" id="{83D24610-10C4-40DC-8164-F569354D507E}"/>
+              </a:ext>
+            </a:extLst>
+          </p:cNvPr>
+          <p:cNvPicPr>
+            <a:picLocks noChangeAspect="1"/>
+          </p:cNvPicPr>
+          <p:nvPr/>
+        </p:nvPicPr>
+        <p:blipFill>
+          <a:blip r:embed="rId4"/>
+          <a:stretch>
+            <a:fillRect/>
+          </a:stretch>
+        </p:blipFill>
+        <p:spPr>
+          <a:xfrm>
+            <a:off x="6118766" y="2685233"/>
+            <a:ext cx="234986" cy="300564"/>
+          </a:xfrm>
+          <a:prstGeom prst="rect">
+            <a:avLst/>
+          </a:prstGeom>
+        </p:spPr>
+      </p:pic>
+      <p:pic>
+        <p:nvPicPr>
+          <p:cNvPr id="6" name="Рисунок 5">
+            <a:extLst>
+              <a:ext uri="{FF2B5EF4-FFF2-40B4-BE49-F238E27FC236}">
+                <a16:creationId xmlns:a16="http://schemas.microsoft.com/office/drawing/2014/main" id="{BC8F14DD-E3BF-4A73-8AD2-C23BBED60E2A}"/>
+              </a:ext>
+            </a:extLst>
+          </p:cNvPr>
+          <p:cNvPicPr>
+            <a:picLocks noChangeAspect="1"/>
+          </p:cNvPicPr>
+          <p:nvPr/>
+        </p:nvPicPr>
+        <p:blipFill>
+          <a:blip r:embed="rId4"/>
+          <a:stretch>
+            <a:fillRect/>
+          </a:stretch>
+        </p:blipFill>
+        <p:spPr>
+          <a:xfrm>
+            <a:off x="5349107" y="2534951"/>
+            <a:ext cx="234986" cy="300564"/>
+          </a:xfrm>
+          <a:prstGeom prst="rect">
+            <a:avLst/>
+          </a:prstGeom>
+        </p:spPr>
+      </p:pic>
+      <p:pic>
+        <p:nvPicPr>
+          <p:cNvPr id="7" name="Рисунок 6">
+            <a:extLst>
+              <a:ext uri="{FF2B5EF4-FFF2-40B4-BE49-F238E27FC236}">
+                <a16:creationId xmlns:a16="http://schemas.microsoft.com/office/drawing/2014/main" id="{9A2D55BC-7E0F-45E9-B895-3559C8DB10EA}"/>
+              </a:ext>
+            </a:extLst>
+          </p:cNvPr>
+          <p:cNvPicPr>
+            <a:picLocks noChangeAspect="1"/>
+          </p:cNvPicPr>
+          <p:nvPr/>
+        </p:nvPicPr>
+        <p:blipFill>
+          <a:blip r:embed="rId4"/>
+          <a:stretch>
+            <a:fillRect/>
+          </a:stretch>
+        </p:blipFill>
+        <p:spPr>
+          <a:xfrm>
+            <a:off x="5289318" y="3416700"/>
+            <a:ext cx="234986" cy="300564"/>
+          </a:xfrm>
+          <a:prstGeom prst="rect">
+            <a:avLst/>
+          </a:prstGeom>
+        </p:spPr>
+      </p:pic>
+      <p:pic>
+        <p:nvPicPr>
+          <p:cNvPr id="8" name="Рисунок 7">
+            <a:extLst>
+              <a:ext uri="{FF2B5EF4-FFF2-40B4-BE49-F238E27FC236}">
+                <a16:creationId xmlns:a16="http://schemas.microsoft.com/office/drawing/2014/main" id="{B9CF9B29-46D0-4EEE-9F40-D465540259FE}"/>
+              </a:ext>
+            </a:extLst>
+          </p:cNvPr>
+          <p:cNvPicPr>
+            <a:picLocks noChangeAspect="1"/>
+          </p:cNvPicPr>
+          <p:nvPr/>
+        </p:nvPicPr>
+        <p:blipFill>
+          <a:blip r:embed="rId5"/>
+          <a:stretch>
+            <a:fillRect/>
+          </a:stretch>
+        </p:blipFill>
+        <p:spPr>
+          <a:xfrm>
+            <a:off x="6888425" y="2981131"/>
+            <a:ext cx="228632" cy="295316"/>
+          </a:xfrm>
+          <a:prstGeom prst="rect">
+            <a:avLst/>
+          </a:prstGeom>
+        </p:spPr>
+      </p:pic>
+      <p:pic>
+        <p:nvPicPr>
+          <p:cNvPr id="9" name="Рисунок 8">
+            <a:extLst>
+              <a:ext uri="{FF2B5EF4-FFF2-40B4-BE49-F238E27FC236}">
+                <a16:creationId xmlns:a16="http://schemas.microsoft.com/office/drawing/2014/main" id="{059D2B60-54B8-41AD-959F-CEF2A16830A0}"/>
+              </a:ext>
+            </a:extLst>
+          </p:cNvPr>
+          <p:cNvPicPr>
+            <a:picLocks noChangeAspect="1"/>
+          </p:cNvPicPr>
+          <p:nvPr/>
+        </p:nvPicPr>
+        <p:blipFill>
+          <a:blip r:embed="rId5"/>
+          <a:stretch>
+            <a:fillRect/>
+          </a:stretch>
+        </p:blipFill>
+        <p:spPr>
+          <a:xfrm>
+            <a:off x="6032178" y="4183752"/>
+            <a:ext cx="228632" cy="295316"/>
+          </a:xfrm>
+          <a:prstGeom prst="rect">
+            <a:avLst/>
+          </a:prstGeom>
+        </p:spPr>
+      </p:pic>
+      <p:sp>
+        <p:nvSpPr>
+          <p:cNvPr id="10" name="TextBox 9">
+            <a:extLst>
+              <a:ext uri="{FF2B5EF4-FFF2-40B4-BE49-F238E27FC236}">
+                <a16:creationId xmlns:a16="http://schemas.microsoft.com/office/drawing/2014/main" id="{9AB7B854-2EF0-47B2-AA57-E6B6BCE8791C}"/>
+              </a:ext>
+            </a:extLst>
+          </p:cNvPr>
+          <p:cNvSpPr txBox="1"/>
+          <p:nvPr/>
+        </p:nvSpPr>
+        <p:spPr>
+          <a:xfrm>
+            <a:off x="5289318" y="2397722"/>
+            <a:ext cx="338554" cy="215444"/>
+          </a:xfrm>
+          <a:prstGeom prst="rect">
+            <a:avLst/>
+          </a:prstGeom>
+          <a:noFill/>
+        </p:spPr>
+        <p:txBody>
+          <a:bodyPr wrap="none" rtlCol="0">
+            <a:spAutoFit/>
+          </a:bodyPr>
+          <a:lstStyle/>
+          <a:p>
+            <a:r>
+              <a:rPr lang="ru-RU" sz="800" dirty="0"/>
+              <a:t>100</a:t>
+            </a:r>
+          </a:p>
+        </p:txBody>
+      </p:sp>
+      <p:sp>
+        <p:nvSpPr>
+          <p:cNvPr id="11" name="TextBox 10">
+            <a:extLst>
+              <a:ext uri="{FF2B5EF4-FFF2-40B4-BE49-F238E27FC236}">
+                <a16:creationId xmlns:a16="http://schemas.microsoft.com/office/drawing/2014/main" id="{69FCCBF8-286C-4037-BAF4-46BB89122B90}"/>
+              </a:ext>
+            </a:extLst>
+          </p:cNvPr>
+          <p:cNvSpPr txBox="1"/>
+          <p:nvPr/>
+        </p:nvSpPr>
+        <p:spPr>
+          <a:xfrm>
+            <a:off x="6041334" y="2534951"/>
+            <a:ext cx="389850" cy="215444"/>
+          </a:xfrm>
+          <a:prstGeom prst="rect">
+            <a:avLst/>
+          </a:prstGeom>
+          <a:noFill/>
+        </p:spPr>
+        <p:txBody>
+          <a:bodyPr wrap="none" rtlCol="0">
+            <a:spAutoFit/>
+          </a:bodyPr>
+          <a:lstStyle/>
+          <a:p>
+            <a:r>
+              <a:rPr lang="ru-RU" sz="800" dirty="0"/>
+              <a:t>5432</a:t>
+            </a:r>
+          </a:p>
+        </p:txBody>
+      </p:sp>
+      <p:sp>
+        <p:nvSpPr>
+          <p:cNvPr id="12" name="TextBox 11">
+            <a:extLst>
+              <a:ext uri="{FF2B5EF4-FFF2-40B4-BE49-F238E27FC236}">
+                <a16:creationId xmlns:a16="http://schemas.microsoft.com/office/drawing/2014/main" id="{F7453CAB-750D-4CC5-82F3-661D215C097A}"/>
+              </a:ext>
+            </a:extLst>
+          </p:cNvPr>
+          <p:cNvSpPr txBox="1"/>
+          <p:nvPr/>
+        </p:nvSpPr>
+        <p:spPr>
+          <a:xfrm>
+            <a:off x="6002865" y="4014725"/>
+            <a:ext cx="287258" cy="215444"/>
+          </a:xfrm>
+          <a:prstGeom prst="rect">
+            <a:avLst/>
+          </a:prstGeom>
+          <a:noFill/>
+        </p:spPr>
+        <p:txBody>
+          <a:bodyPr wrap="none" rtlCol="0">
+            <a:spAutoFit/>
+          </a:bodyPr>
+          <a:lstStyle/>
+          <a:p>
+            <a:r>
+              <a:rPr lang="ru-RU" sz="800" dirty="0"/>
+              <a:t>23</a:t>
+            </a:r>
+          </a:p>
+        </p:txBody>
+      </p:sp>
+      <p:sp>
+        <p:nvSpPr>
+          <p:cNvPr id="13" name="TextBox 12">
+            <a:extLst>
+              <a:ext uri="{FF2B5EF4-FFF2-40B4-BE49-F238E27FC236}">
+                <a16:creationId xmlns:a16="http://schemas.microsoft.com/office/drawing/2014/main" id="{D827146A-6907-401F-BB19-82EC7B6226B5}"/>
+              </a:ext>
+            </a:extLst>
+          </p:cNvPr>
+          <p:cNvSpPr txBox="1"/>
+          <p:nvPr/>
+        </p:nvSpPr>
+        <p:spPr>
+          <a:xfrm>
+            <a:off x="5262434" y="3253770"/>
+            <a:ext cx="338554" cy="215444"/>
+          </a:xfrm>
+          <a:prstGeom prst="rect">
+            <a:avLst/>
+          </a:prstGeom>
+          <a:noFill/>
+        </p:spPr>
+        <p:txBody>
+          <a:bodyPr wrap="none" rtlCol="0">
+            <a:spAutoFit/>
+          </a:bodyPr>
+          <a:lstStyle/>
+          <a:p>
+            <a:r>
+              <a:rPr lang="ru-RU" sz="800" dirty="0"/>
+              <a:t>130</a:t>
+            </a:r>
+          </a:p>
+        </p:txBody>
+      </p:sp>
+      <p:sp>
+        <p:nvSpPr>
+          <p:cNvPr id="14" name="TextBox 13">
+            <a:extLst>
+              <a:ext uri="{FF2B5EF4-FFF2-40B4-BE49-F238E27FC236}">
+                <a16:creationId xmlns:a16="http://schemas.microsoft.com/office/drawing/2014/main" id="{9B6FFD36-C32B-49DC-B17F-4486D9476C5E}"/>
+              </a:ext>
+            </a:extLst>
+          </p:cNvPr>
+          <p:cNvSpPr txBox="1"/>
+          <p:nvPr/>
+        </p:nvSpPr>
+        <p:spPr>
+          <a:xfrm>
+            <a:off x="6859112" y="2835066"/>
+            <a:ext cx="338554" cy="215444"/>
+          </a:xfrm>
+          <a:prstGeom prst="rect">
+            <a:avLst/>
+          </a:prstGeom>
+          <a:noFill/>
+        </p:spPr>
+        <p:txBody>
+          <a:bodyPr wrap="none" rtlCol="0">
+            <a:spAutoFit/>
+          </a:bodyPr>
+          <a:lstStyle/>
+          <a:p>
+            <a:r>
+              <a:rPr lang="ru-RU" sz="800" dirty="0"/>
+              <a:t>578</a:t>
+            </a:r>
+          </a:p>
+        </p:txBody>
+      </p:sp>
+      <p:sp>
+        <p:nvSpPr>
+          <p:cNvPr id="15" name="TextBox 14">
+            <a:extLst>
+              <a:ext uri="{FF2B5EF4-FFF2-40B4-BE49-F238E27FC236}">
+                <a16:creationId xmlns:a16="http://schemas.microsoft.com/office/drawing/2014/main" id="{7DA4AEC8-7940-46A1-953D-EC37B8C26D45}"/>
+              </a:ext>
+            </a:extLst>
+          </p:cNvPr>
+          <p:cNvSpPr txBox="1"/>
+          <p:nvPr/>
+        </p:nvSpPr>
+        <p:spPr>
+          <a:xfrm>
+            <a:off x="4872767" y="6265943"/>
+            <a:ext cx="2667625" cy="261610"/>
+          </a:xfrm>
+          <a:prstGeom prst="rect">
+            <a:avLst/>
+          </a:prstGeom>
+          <a:noFill/>
+        </p:spPr>
+        <p:txBody>
+          <a:bodyPr wrap="square" rtlCol="0">
+            <a:spAutoFit/>
+          </a:bodyPr>
+          <a:lstStyle/>
+          <a:p>
+            <a:pPr algn="ctr"/>
+            <a:r>
+              <a:rPr lang="ru-RU" sz="1100" i="1" dirty="0">
+                <a:solidFill>
+                  <a:schemeClr val="bg1">
+                    <a:lumMod val="65000"/>
+                  </a:schemeClr>
+                </a:solidFill>
+              </a:rPr>
+              <a:t>свайп вправо - перейти на главный</a:t>
+            </a:r>
+          </a:p>
+        </p:txBody>
+      </p:sp>
+      <p:pic>
+        <p:nvPicPr>
+          <p:cNvPr id="16" name="Рисунок 15" descr="Угловые стрелки (справа налево)">
+            <a:extLst>
+              <a:ext uri="{FF2B5EF4-FFF2-40B4-BE49-F238E27FC236}">
+                <a16:creationId xmlns:a16="http://schemas.microsoft.com/office/drawing/2014/main" id="{A368B355-C0B6-49B1-A7F2-7EF78ADD974F}"/>
+              </a:ext>
+            </a:extLst>
+          </p:cNvPr>
+          <p:cNvPicPr>
+            <a:picLocks noChangeAspect="1"/>
+          </p:cNvPicPr>
+          <p:nvPr/>
+        </p:nvPicPr>
+        <p:blipFill>
+          <a:blip r:embed="rId6">
+            <a:extLst>
+              <a:ext uri="{28A0092B-C50C-407E-A947-70E740481C1C}">
+                <a14:useLocalDpi xmlns:a14="http://schemas.microsoft.com/office/drawing/2010/main" val="0"/>
+              </a:ext>
+              <a:ext uri="{96DAC541-7B7A-43D3-8B79-37D633B846F1}">
+                <asvg:svgBlip xmlns:asvg="http://schemas.microsoft.com/office/drawing/2016/SVG/main" r:embed="rId7"/>
+              </a:ext>
+            </a:extLst>
+          </a:blip>
+          <a:stretch>
+            <a:fillRect/>
+          </a:stretch>
+        </p:blipFill>
+        <p:spPr>
+          <a:xfrm rot="10800000">
+            <a:off x="4763812" y="6285778"/>
+            <a:ext cx="236043" cy="236043"/>
+          </a:xfrm>
+          <a:prstGeom prst="rect">
+            <a:avLst/>
+          </a:prstGeom>
+        </p:spPr>
+      </p:pic>
+      <p:sp>
+        <p:nvSpPr>
+          <p:cNvPr id="19" name="Прямоугольник: скругленные углы 18">
+            <a:extLst>
+              <a:ext uri="{FF2B5EF4-FFF2-40B4-BE49-F238E27FC236}">
+                <a16:creationId xmlns:a16="http://schemas.microsoft.com/office/drawing/2014/main" id="{AB14FF76-58B9-41D2-AE02-C50D19A21266}"/>
+              </a:ext>
+            </a:extLst>
+          </p:cNvPr>
+          <p:cNvSpPr/>
+          <p:nvPr/>
+        </p:nvSpPr>
+        <p:spPr>
+          <a:xfrm>
+            <a:off x="4613731" y="5687543"/>
+            <a:ext cx="2998419" cy="571691"/>
+          </a:xfrm>
+          <a:prstGeom prst="roundRect">
+            <a:avLst>
+              <a:gd name="adj" fmla="val 0"/>
+            </a:avLst>
+          </a:prstGeom>
+          <a:solidFill>
+            <a:schemeClr val="bg1">
+              <a:lumMod val="85000"/>
+            </a:schemeClr>
+          </a:solidFill>
+          <a:ln>
+            <a:solidFill>
+              <a:schemeClr val="bg1">
+                <a:lumMod val="50000"/>
+              </a:schemeClr>
+            </a:solidFill>
+          </a:ln>
+        </p:spPr>
+        <p:style>
+          <a:lnRef idx="2">
+            <a:schemeClr val="accent1">
+              <a:shade val="50000"/>
+            </a:schemeClr>
+          </a:lnRef>
+          <a:fillRef idx="1">
+            <a:schemeClr val="accent1"/>
+          </a:fillRef>
+          <a:effectRef idx="0">
+            <a:schemeClr val="accent1"/>
+          </a:effectRef>
+          <a:fontRef idx="minor">
+            <a:schemeClr val="lt1"/>
+          </a:fontRef>
+        </p:style>
+        <p:txBody>
+          <a:bodyPr rtlCol="0" anchor="ctr"/>
+          <a:lstStyle/>
+          <a:p>
+            <a:pPr algn="ctr"/>
+            <a:endParaRPr lang="ru-RU" sz="1400" dirty="0"/>
+          </a:p>
+        </p:txBody>
+      </p:sp>
+      <p:pic>
+        <p:nvPicPr>
+          <p:cNvPr id="20" name="Рисунок 19" descr="Шестеренки">
+            <a:extLst>
+              <a:ext uri="{FF2B5EF4-FFF2-40B4-BE49-F238E27FC236}">
+                <a16:creationId xmlns:a16="http://schemas.microsoft.com/office/drawing/2014/main" id="{96F05A71-1F98-430E-B7CD-A042D6BC94CA}"/>
+              </a:ext>
+            </a:extLst>
+          </p:cNvPr>
+          <p:cNvPicPr>
+            <a:picLocks noChangeAspect="1"/>
+          </p:cNvPicPr>
+          <p:nvPr/>
+        </p:nvPicPr>
+        <p:blipFill>
+          <a:blip r:embed="rId8">
+            <a:extLst>
+              <a:ext uri="{28A0092B-C50C-407E-A947-70E740481C1C}">
+                <a14:useLocalDpi xmlns:a14="http://schemas.microsoft.com/office/drawing/2010/main" val="0"/>
+              </a:ext>
+              <a:ext uri="{96DAC541-7B7A-43D3-8B79-37D633B846F1}">
+                <asvg:svgBlip xmlns:asvg="http://schemas.microsoft.com/office/drawing/2016/SVG/main" r:embed="rId9"/>
+              </a:ext>
+            </a:extLst>
+          </a:blip>
+          <a:stretch>
+            <a:fillRect/>
+          </a:stretch>
+        </p:blipFill>
+        <p:spPr>
+          <a:xfrm>
+            <a:off x="7093622" y="5696443"/>
+            <a:ext cx="413709" cy="413709"/>
+          </a:xfrm>
+          <a:prstGeom prst="rect">
+            <a:avLst/>
+          </a:prstGeom>
+        </p:spPr>
+      </p:pic>
+      <p:sp>
+        <p:nvSpPr>
+          <p:cNvPr id="21" name="TextBox 20">
+            <a:extLst>
+              <a:ext uri="{FF2B5EF4-FFF2-40B4-BE49-F238E27FC236}">
+                <a16:creationId xmlns:a16="http://schemas.microsoft.com/office/drawing/2014/main" id="{3F1BE3C8-79D5-42FE-BE4E-793F3E756CAC}"/>
+              </a:ext>
+            </a:extLst>
+          </p:cNvPr>
+          <p:cNvSpPr txBox="1"/>
+          <p:nvPr/>
+        </p:nvSpPr>
+        <p:spPr>
+          <a:xfrm>
+            <a:off x="6952464" y="6055243"/>
+            <a:ext cx="696024" cy="230832"/>
+          </a:xfrm>
+          <a:prstGeom prst="rect">
+            <a:avLst/>
+          </a:prstGeom>
+          <a:noFill/>
+        </p:spPr>
+        <p:txBody>
+          <a:bodyPr wrap="none" rtlCol="0">
+            <a:spAutoFit/>
+          </a:bodyPr>
+          <a:lstStyle/>
+          <a:p>
+            <a:r>
+              <a:rPr lang="ru-RU" sz="900" dirty="0"/>
+              <a:t>Настройка</a:t>
+            </a:r>
+          </a:p>
+        </p:txBody>
+      </p:sp>
+      <p:pic>
+        <p:nvPicPr>
+          <p:cNvPr id="22" name="Рисунок 21" descr="Часы">
+            <a:extLst>
+              <a:ext uri="{FF2B5EF4-FFF2-40B4-BE49-F238E27FC236}">
+                <a16:creationId xmlns:a16="http://schemas.microsoft.com/office/drawing/2014/main" id="{2A08B0DD-4613-45C7-8142-0BA9D8491DB8}"/>
+              </a:ext>
+            </a:extLst>
+          </p:cNvPr>
+          <p:cNvPicPr>
+            <a:picLocks noChangeAspect="1"/>
+          </p:cNvPicPr>
+          <p:nvPr/>
+        </p:nvPicPr>
+        <p:blipFill>
+          <a:blip r:embed="rId10">
+            <a:extLst>
+              <a:ext uri="{28A0092B-C50C-407E-A947-70E740481C1C}">
+                <a14:useLocalDpi xmlns:a14="http://schemas.microsoft.com/office/drawing/2010/main" val="0"/>
+              </a:ext>
+              <a:ext uri="{96DAC541-7B7A-43D3-8B79-37D633B846F1}">
+                <asvg:svgBlip xmlns:asvg="http://schemas.microsoft.com/office/drawing/2016/SVG/main" r:embed="rId11"/>
+              </a:ext>
+            </a:extLst>
+          </a:blip>
+          <a:stretch>
+            <a:fillRect/>
+          </a:stretch>
+        </p:blipFill>
+        <p:spPr>
+          <a:xfrm>
+            <a:off x="6326150" y="5696443"/>
+            <a:ext cx="413708" cy="413708"/>
+          </a:xfrm>
+          <a:prstGeom prst="rect">
+            <a:avLst/>
+          </a:prstGeom>
+        </p:spPr>
+      </p:pic>
+      <p:sp>
+        <p:nvSpPr>
+          <p:cNvPr id="23" name="TextBox 22">
+            <a:extLst>
+              <a:ext uri="{FF2B5EF4-FFF2-40B4-BE49-F238E27FC236}">
+                <a16:creationId xmlns:a16="http://schemas.microsoft.com/office/drawing/2014/main" id="{D188590A-2B54-4DC6-BBCD-387304C6D102}"/>
+              </a:ext>
+            </a:extLst>
+          </p:cNvPr>
+          <p:cNvSpPr txBox="1"/>
+          <p:nvPr/>
+        </p:nvSpPr>
+        <p:spPr>
+          <a:xfrm>
+            <a:off x="6237390" y="6055243"/>
+            <a:ext cx="590226" cy="230832"/>
+          </a:xfrm>
+          <a:prstGeom prst="rect">
+            <a:avLst/>
+          </a:prstGeom>
+          <a:noFill/>
+        </p:spPr>
+        <p:txBody>
+          <a:bodyPr wrap="none" rtlCol="0">
+            <a:spAutoFit/>
+          </a:bodyPr>
+          <a:lstStyle/>
+          <a:p>
+            <a:r>
+              <a:rPr lang="ru-RU" sz="900" dirty="0"/>
+              <a:t>История</a:t>
+            </a:r>
+          </a:p>
+        </p:txBody>
+      </p:sp>
+      <p:pic>
+        <p:nvPicPr>
+          <p:cNvPr id="24" name="Рисунок 23" descr="Земной шар с очертаниями Северной Америки и Южной Америки">
+            <a:extLst>
+              <a:ext uri="{FF2B5EF4-FFF2-40B4-BE49-F238E27FC236}">
+                <a16:creationId xmlns:a16="http://schemas.microsoft.com/office/drawing/2014/main" id="{CFA948E7-E029-44F7-B066-C4F9AB6502CA}"/>
+              </a:ext>
+            </a:extLst>
+          </p:cNvPr>
+          <p:cNvPicPr>
+            <a:picLocks noChangeAspect="1"/>
+          </p:cNvPicPr>
+          <p:nvPr/>
+        </p:nvPicPr>
+        <p:blipFill>
+          <a:blip r:embed="rId12">
+            <a:extLst>
+              <a:ext uri="{28A0092B-C50C-407E-A947-70E740481C1C}">
+                <a14:useLocalDpi xmlns:a14="http://schemas.microsoft.com/office/drawing/2010/main" val="0"/>
+              </a:ext>
+              <a:ext uri="{96DAC541-7B7A-43D3-8B79-37D633B846F1}">
+                <asvg:svgBlip xmlns:asvg="http://schemas.microsoft.com/office/drawing/2016/SVG/main" r:embed="rId13"/>
+              </a:ext>
+            </a:extLst>
+          </a:blip>
+          <a:stretch>
+            <a:fillRect/>
+          </a:stretch>
+        </p:blipFill>
+        <p:spPr>
+          <a:xfrm>
+            <a:off x="5520292" y="5687543"/>
+            <a:ext cx="413709" cy="413709"/>
+          </a:xfrm>
+          <a:prstGeom prst="rect">
+            <a:avLst/>
+          </a:prstGeom>
+        </p:spPr>
+      </p:pic>
+      <p:sp>
+        <p:nvSpPr>
+          <p:cNvPr id="25" name="TextBox 24">
+            <a:extLst>
+              <a:ext uri="{FF2B5EF4-FFF2-40B4-BE49-F238E27FC236}">
+                <a16:creationId xmlns:a16="http://schemas.microsoft.com/office/drawing/2014/main" id="{0FC61683-39F8-428B-A638-47D2753E2945}"/>
+              </a:ext>
+            </a:extLst>
+          </p:cNvPr>
+          <p:cNvSpPr txBox="1"/>
+          <p:nvPr/>
+        </p:nvSpPr>
+        <p:spPr>
+          <a:xfrm>
+            <a:off x="5383709" y="6064192"/>
+            <a:ext cx="705642" cy="230832"/>
+          </a:xfrm>
+          <a:prstGeom prst="rect">
+            <a:avLst/>
+          </a:prstGeom>
+          <a:noFill/>
+        </p:spPr>
+        <p:txBody>
+          <a:bodyPr wrap="none" rtlCol="0">
+            <a:spAutoFit/>
+          </a:bodyPr>
+          <a:lstStyle/>
+          <a:p>
+            <a:r>
+              <a:rPr lang="ru-RU" sz="900" dirty="0"/>
+              <a:t>Челябинск</a:t>
+            </a:r>
+          </a:p>
+        </p:txBody>
+      </p:sp>
+      <p:pic>
+        <p:nvPicPr>
+          <p:cNvPr id="26" name="Рисунок 25" descr="Месячный календарь">
+            <a:extLst>
+              <a:ext uri="{FF2B5EF4-FFF2-40B4-BE49-F238E27FC236}">
+                <a16:creationId xmlns:a16="http://schemas.microsoft.com/office/drawing/2014/main" id="{6184ED47-AA7C-4DFD-85D2-25D639528CEF}"/>
+              </a:ext>
+            </a:extLst>
+          </p:cNvPr>
+          <p:cNvPicPr>
+            <a:picLocks noChangeAspect="1"/>
+          </p:cNvPicPr>
+          <p:nvPr/>
+        </p:nvPicPr>
+        <p:blipFill>
+          <a:blip r:embed="rId14">
+            <a:extLst>
+              <a:ext uri="{28A0092B-C50C-407E-A947-70E740481C1C}">
+                <a14:useLocalDpi xmlns:a14="http://schemas.microsoft.com/office/drawing/2010/main" val="0"/>
+              </a:ext>
+              <a:ext uri="{96DAC541-7B7A-43D3-8B79-37D633B846F1}">
+                <asvg:svgBlip xmlns:asvg="http://schemas.microsoft.com/office/drawing/2016/SVG/main" r:embed="rId15"/>
+              </a:ext>
+            </a:extLst>
+          </a:blip>
+          <a:stretch>
+            <a:fillRect/>
+          </a:stretch>
+        </p:blipFill>
+        <p:spPr>
+          <a:xfrm>
+            <a:off x="4734681" y="5684880"/>
+            <a:ext cx="413709" cy="413709"/>
+          </a:xfrm>
+          <a:prstGeom prst="rect">
+            <a:avLst/>
+          </a:prstGeom>
+        </p:spPr>
+      </p:pic>
+      <p:sp>
+        <p:nvSpPr>
+          <p:cNvPr id="27" name="TextBox 26">
+            <a:extLst>
+              <a:ext uri="{FF2B5EF4-FFF2-40B4-BE49-F238E27FC236}">
+                <a16:creationId xmlns:a16="http://schemas.microsoft.com/office/drawing/2014/main" id="{380B8977-BB64-485E-BA6E-20BFD8B03832}"/>
+              </a:ext>
+            </a:extLst>
+          </p:cNvPr>
+          <p:cNvSpPr txBox="1"/>
+          <p:nvPr/>
+        </p:nvSpPr>
+        <p:spPr>
+          <a:xfrm>
+            <a:off x="4708448" y="6064192"/>
+            <a:ext cx="510076" cy="230832"/>
+          </a:xfrm>
+          <a:prstGeom prst="rect">
+            <a:avLst/>
+          </a:prstGeom>
+          <a:noFill/>
+        </p:spPr>
+        <p:txBody>
+          <a:bodyPr wrap="none" rtlCol="0">
+            <a:spAutoFit/>
+          </a:bodyPr>
+          <a:lstStyle/>
+          <a:p>
+            <a:r>
+              <a:rPr lang="ru-RU" sz="900" dirty="0"/>
+              <a:t>2021 г.</a:t>
+            </a:r>
+          </a:p>
+        </p:txBody>
+      </p:sp>
+      <p:sp>
+        <p:nvSpPr>
+          <p:cNvPr id="28" name="Прямоугольник 27">
+            <a:extLst>
+              <a:ext uri="{FF2B5EF4-FFF2-40B4-BE49-F238E27FC236}">
+                <a16:creationId xmlns:a16="http://schemas.microsoft.com/office/drawing/2014/main" id="{815487C3-F129-4D66-B52E-4B54CAD69B00}"/>
+              </a:ext>
+            </a:extLst>
+          </p:cNvPr>
+          <p:cNvSpPr/>
+          <p:nvPr/>
+        </p:nvSpPr>
+        <p:spPr>
+          <a:xfrm>
+            <a:off x="4610093" y="593223"/>
+            <a:ext cx="2992988" cy="398328"/>
+          </a:xfrm>
+          <a:prstGeom prst="rect">
+            <a:avLst/>
+          </a:prstGeom>
+          <a:solidFill>
+            <a:schemeClr val="bg1"/>
+          </a:solidFill>
+          <a:ln>
+            <a:solidFill>
+              <a:schemeClr val="bg1">
+                <a:lumMod val="85000"/>
+              </a:schemeClr>
+            </a:solidFill>
+          </a:ln>
+        </p:spPr>
+        <p:style>
+          <a:lnRef idx="2">
+            <a:schemeClr val="accent1">
+              <a:shade val="50000"/>
+            </a:schemeClr>
+          </a:lnRef>
+          <a:fillRef idx="1">
+            <a:schemeClr val="accent1"/>
+          </a:fillRef>
+          <a:effectRef idx="0">
+            <a:schemeClr val="accent1"/>
+          </a:effectRef>
+          <a:fontRef idx="minor">
+            <a:schemeClr val="lt1"/>
+          </a:fontRef>
+        </p:style>
+        <p:txBody>
+          <a:bodyPr rtlCol="0" anchor="ctr"/>
+          <a:lstStyle/>
+          <a:p>
+            <a:r>
+              <a:rPr lang="ru-RU" dirty="0">
+                <a:solidFill>
+                  <a:schemeClr val="tx1"/>
+                </a:solidFill>
+              </a:rPr>
+              <a:t>      Мэр Иван Иванович</a:t>
+            </a:r>
+          </a:p>
+        </p:txBody>
+      </p:sp>
+      <p:pic>
+        <p:nvPicPr>
+          <p:cNvPr id="29" name="Рисунок 28">
+            <a:extLst>
+              <a:ext uri="{FF2B5EF4-FFF2-40B4-BE49-F238E27FC236}">
+                <a16:creationId xmlns:a16="http://schemas.microsoft.com/office/drawing/2014/main" id="{F6C8D5C3-413B-4DA0-B81B-EB5A38F86CA4}"/>
+              </a:ext>
+            </a:extLst>
+          </p:cNvPr>
+          <p:cNvPicPr>
+            <a:picLocks noChangeAspect="1"/>
+          </p:cNvPicPr>
+          <p:nvPr/>
+        </p:nvPicPr>
+        <p:blipFill>
+          <a:blip r:embed="rId16"/>
+          <a:stretch>
+            <a:fillRect/>
+          </a:stretch>
+        </p:blipFill>
+        <p:spPr>
+          <a:xfrm>
+            <a:off x="4610093" y="601093"/>
+            <a:ext cx="387132" cy="384841"/>
+          </a:xfrm>
+          <a:prstGeom prst="rect">
+            <a:avLst/>
+          </a:prstGeom>
+        </p:spPr>
+      </p:pic>
+      <p:pic>
+        <p:nvPicPr>
+          <p:cNvPr id="30" name="Рисунок 29" descr="Радиомикрофон">
+            <a:extLst>
+              <a:ext uri="{FF2B5EF4-FFF2-40B4-BE49-F238E27FC236}">
+                <a16:creationId xmlns:a16="http://schemas.microsoft.com/office/drawing/2014/main" id="{15BBD159-C6AA-491A-880C-242AA2ADC0B9}"/>
+              </a:ext>
+            </a:extLst>
+          </p:cNvPr>
+          <p:cNvPicPr>
+            <a:picLocks noChangeAspect="1"/>
+          </p:cNvPicPr>
+          <p:nvPr/>
+        </p:nvPicPr>
+        <p:blipFill>
+          <a:blip r:embed="rId17">
+            <a:extLst>
+              <a:ext uri="{28A0092B-C50C-407E-A947-70E740481C1C}">
+                <a14:useLocalDpi xmlns:a14="http://schemas.microsoft.com/office/drawing/2010/main" val="0"/>
+              </a:ext>
+              <a:ext uri="{96DAC541-7B7A-43D3-8B79-37D633B846F1}">
+                <asvg:svgBlip xmlns:asvg="http://schemas.microsoft.com/office/drawing/2016/SVG/main" r:embed="rId18"/>
+              </a:ext>
+            </a:extLst>
+          </a:blip>
+          <a:stretch>
+            <a:fillRect/>
+          </a:stretch>
+        </p:blipFill>
+        <p:spPr>
+          <a:xfrm>
+            <a:off x="7206209" y="593223"/>
+            <a:ext cx="387132" cy="387132"/>
+          </a:xfrm>
+          <a:prstGeom prst="rect">
+            <a:avLst/>
+          </a:prstGeom>
+        </p:spPr>
+      </p:pic>
     </p:spTree>
     <p:extLst>
       <p:ext uri="{BB962C8B-B14F-4D97-AF65-F5344CB8AC3E}">
@@ -6246,12 +7199,8 @@
           <a:lstStyle/>
           <a:p>
             <a:r>
-              <a:rPr lang="ru-RU" sz="900" b="1" dirty="0" err="1"/>
-              <a:t>КовиВак</a:t>
-            </a:r>
-            <a:r>
               <a:rPr lang="ru-RU" sz="900" b="1" dirty="0"/>
-              <a:t>, Донбасс, ДТП с полицейским, …</a:t>
+              <a:t>КовиВак, Донбасс, ДТП с полицейским, …</a:t>
             </a:r>
           </a:p>
         </p:txBody>
